--- a/project/data.pptx
+++ b/project/data.pptx
@@ -7,6 +7,8 @@
   <p:sldIdLst>
     <p:sldId id="257" r:id="rId2"/>
     <p:sldId id="258" r:id="rId3"/>
+    <p:sldId id="259" r:id="rId4"/>
+    <p:sldId id="260" r:id="rId5"/>
   </p:sldIdLst>
   <p:sldSz cx="12192000" cy="6858000"/>
   <p:notesSz cx="6858000" cy="9144000"/>
@@ -4196,8 +4198,8 @@
         </p:nvSpPr>
         <p:spPr>
           <a:xfrm>
-            <a:off x="1472812" y="1096677"/>
-            <a:ext cx="1319400" cy="276999"/>
+            <a:off x="1988388" y="1050510"/>
+            <a:ext cx="744114" cy="276999"/>
           </a:xfrm>
           <a:prstGeom prst="rect">
             <a:avLst/>
@@ -4210,13 +4212,6 @@
           </a:bodyPr>
           <a:lstStyle/>
           <a:p>
-            <a:r>
-              <a:rPr kumimoji="1" lang="en-US" altLang="zh-CN" sz="1200" b="1" i="1" dirty="0">
-                <a:latin typeface="Microsoft YaHei" panose="020B0503020204020204" pitchFamily="34" charset="-122"/>
-                <a:ea typeface="Microsoft YaHei" panose="020B0503020204020204" pitchFamily="34" charset="-122"/>
-              </a:rPr>
-              <a:t>Step 1: </a:t>
-            </a:r>
             <a:r>
               <a:rPr kumimoji="1" lang="en-US" altLang="zh-CN" sz="1200" i="1" dirty="0">
                 <a:latin typeface="Microsoft YaHei" panose="020B0503020204020204" pitchFamily="34" charset="-122"/>
@@ -4233,10 +4228,10 @@
       </p:sp>
       <p:sp>
         <p:nvSpPr>
-          <p:cNvPr id="6" name="右箭头 5">
-            <a:extLst>
-              <a:ext uri="{FF2B5EF4-FFF2-40B4-BE49-F238E27FC236}">
-                <a16:creationId xmlns:a16="http://schemas.microsoft.com/office/drawing/2014/main" id="{2F3B7EAB-3FD6-FEF2-FD37-D173211CF41F}"/>
+          <p:cNvPr id="9" name="右箭头 8">
+            <a:extLst>
+              <a:ext uri="{FF2B5EF4-FFF2-40B4-BE49-F238E27FC236}">
+                <a16:creationId xmlns:a16="http://schemas.microsoft.com/office/drawing/2014/main" id="{2B7E42B9-32B3-1ABE-43E4-B1EF1F54D955}"/>
               </a:ext>
             </a:extLst>
           </p:cNvPr>
@@ -4244,8 +4239,8 @@
           <p:nvPr/>
         </p:nvSpPr>
         <p:spPr>
-          <a:xfrm rot="1551775">
-            <a:off x="3805591" y="4198861"/>
+          <a:xfrm>
+            <a:off x="4295194" y="2166926"/>
             <a:ext cx="360726" cy="218114"/>
           </a:xfrm>
           <a:prstGeom prst="rightArrow">
@@ -4287,10 +4282,277 @@
       </p:sp>
       <p:sp>
         <p:nvSpPr>
-          <p:cNvPr id="9" name="右箭头 8">
-            <a:extLst>
-              <a:ext uri="{FF2B5EF4-FFF2-40B4-BE49-F238E27FC236}">
-                <a16:creationId xmlns:a16="http://schemas.microsoft.com/office/drawing/2014/main" id="{2B7E42B9-32B3-1ABE-43E4-B1EF1F54D955}"/>
+          <p:cNvPr id="18" name="文本框 17">
+            <a:extLst>
+              <a:ext uri="{FF2B5EF4-FFF2-40B4-BE49-F238E27FC236}">
+                <a16:creationId xmlns:a16="http://schemas.microsoft.com/office/drawing/2014/main" id="{2091B224-0463-71B1-0031-8B89B275B7FE}"/>
+              </a:ext>
+            </a:extLst>
+          </p:cNvPr>
+          <p:cNvSpPr txBox="1"/>
+          <p:nvPr/>
+        </p:nvSpPr>
+        <p:spPr>
+          <a:xfrm>
+            <a:off x="4021580" y="402563"/>
+            <a:ext cx="4148839" cy="369332"/>
+          </a:xfrm>
+          <a:prstGeom prst="rect">
+            <a:avLst/>
+          </a:prstGeom>
+          <a:noFill/>
+        </p:spPr>
+        <p:txBody>
+          <a:bodyPr wrap="square">
+            <a:spAutoFit/>
+          </a:bodyPr>
+          <a:lstStyle/>
+          <a:p>
+            <a:pPr algn="ctr"/>
+            <a:r>
+              <a:rPr kumimoji="1" lang="en" altLang="zh-CN" b="1" u="sng" dirty="0">
+                <a:latin typeface="Microsoft YaHei" panose="020B0503020204020204" pitchFamily="34" charset="-122"/>
+                <a:ea typeface="Microsoft YaHei" panose="020B0503020204020204" pitchFamily="34" charset="-122"/>
+              </a:rPr>
+              <a:t>Feature Engineering</a:t>
+            </a:r>
+            <a:endParaRPr kumimoji="1" lang="zh-CN" altLang="en-US" b="1" u="sng" dirty="0">
+              <a:latin typeface="Microsoft YaHei" panose="020B0503020204020204" pitchFamily="34" charset="-122"/>
+              <a:ea typeface="Microsoft YaHei" panose="020B0503020204020204" pitchFamily="34" charset="-122"/>
+            </a:endParaRPr>
+          </a:p>
+        </p:txBody>
+      </p:sp>
+      <p:sp>
+        <p:nvSpPr>
+          <p:cNvPr id="4" name="文本框 3">
+            <a:extLst>
+              <a:ext uri="{FF2B5EF4-FFF2-40B4-BE49-F238E27FC236}">
+                <a16:creationId xmlns:a16="http://schemas.microsoft.com/office/drawing/2014/main" id="{95C32A24-752F-9C79-5144-31740CBDCCD8}"/>
+              </a:ext>
+            </a:extLst>
+          </p:cNvPr>
+          <p:cNvSpPr txBox="1"/>
+          <p:nvPr/>
+        </p:nvSpPr>
+        <p:spPr>
+          <a:xfrm>
+            <a:off x="4956201" y="1096677"/>
+            <a:ext cx="1444050" cy="276999"/>
+          </a:xfrm>
+          <a:prstGeom prst="rect">
+            <a:avLst/>
+          </a:prstGeom>
+          <a:noFill/>
+        </p:spPr>
+        <p:txBody>
+          <a:bodyPr wrap="none" rtlCol="0">
+            <a:spAutoFit/>
+          </a:bodyPr>
+          <a:lstStyle/>
+          <a:p>
+            <a:r>
+              <a:rPr kumimoji="1" lang="en-US" altLang="zh-CN" sz="1200" i="1" dirty="0">
+                <a:latin typeface="Microsoft YaHei" panose="020B0503020204020204" pitchFamily="34" charset="-122"/>
+                <a:ea typeface="Microsoft YaHei" panose="020B0503020204020204" pitchFamily="34" charset="-122"/>
+              </a:rPr>
+              <a:t>Merge Columns  </a:t>
+            </a:r>
+            <a:endParaRPr kumimoji="1" lang="zh-CN" altLang="en-US" sz="1200" i="1" dirty="0">
+              <a:latin typeface="Microsoft YaHei" panose="020B0503020204020204" pitchFamily="34" charset="-122"/>
+              <a:ea typeface="Microsoft YaHei" panose="020B0503020204020204" pitchFamily="34" charset="-122"/>
+            </a:endParaRPr>
+          </a:p>
+        </p:txBody>
+      </p:sp>
+      <p:sp>
+        <p:nvSpPr>
+          <p:cNvPr id="5" name="文本框 4">
+            <a:extLst>
+              <a:ext uri="{FF2B5EF4-FFF2-40B4-BE49-F238E27FC236}">
+                <a16:creationId xmlns:a16="http://schemas.microsoft.com/office/drawing/2014/main" id="{C97AA5D5-DB49-A9EC-0E6C-74560CCFD280}"/>
+              </a:ext>
+            </a:extLst>
+          </p:cNvPr>
+          <p:cNvSpPr txBox="1"/>
+          <p:nvPr/>
+        </p:nvSpPr>
+        <p:spPr>
+          <a:xfrm>
+            <a:off x="7278035" y="1096676"/>
+            <a:ext cx="4011553" cy="276999"/>
+          </a:xfrm>
+          <a:prstGeom prst="rect">
+            <a:avLst/>
+          </a:prstGeom>
+          <a:noFill/>
+        </p:spPr>
+        <p:txBody>
+          <a:bodyPr wrap="square" rtlCol="0">
+            <a:spAutoFit/>
+          </a:bodyPr>
+          <a:lstStyle/>
+          <a:p>
+            <a:r>
+              <a:rPr kumimoji="1" lang="en-US" altLang="zh-CN" sz="1200" i="1" dirty="0">
+                <a:latin typeface="Microsoft YaHei" panose="020B0503020204020204" pitchFamily="34" charset="-122"/>
+                <a:ea typeface="Microsoft YaHei" panose="020B0503020204020204" pitchFamily="34" charset="-122"/>
+              </a:rPr>
+              <a:t>Drop Unnecessary Columns &amp; Lowercase the Text</a:t>
+            </a:r>
+            <a:endParaRPr kumimoji="1" lang="zh-CN" altLang="en-US" sz="1200" i="1" dirty="0">
+              <a:latin typeface="Microsoft YaHei" panose="020B0503020204020204" pitchFamily="34" charset="-122"/>
+              <a:ea typeface="Microsoft YaHei" panose="020B0503020204020204" pitchFamily="34" charset="-122"/>
+            </a:endParaRPr>
+          </a:p>
+        </p:txBody>
+      </p:sp>
+      <p:sp>
+        <p:nvSpPr>
+          <p:cNvPr id="8" name="文本框 7">
+            <a:extLst>
+              <a:ext uri="{FF2B5EF4-FFF2-40B4-BE49-F238E27FC236}">
+                <a16:creationId xmlns:a16="http://schemas.microsoft.com/office/drawing/2014/main" id="{297E9FF2-28DE-8F9B-D5AD-8B03665F7276}"/>
+              </a:ext>
+            </a:extLst>
+          </p:cNvPr>
+          <p:cNvSpPr txBox="1"/>
+          <p:nvPr/>
+        </p:nvSpPr>
+        <p:spPr>
+          <a:xfrm>
+            <a:off x="5117945" y="2517141"/>
+            <a:ext cx="1120563" cy="276999"/>
+          </a:xfrm>
+          <a:prstGeom prst="rect">
+            <a:avLst/>
+          </a:prstGeom>
+          <a:noFill/>
+          <a:ln>
+            <a:solidFill>
+              <a:schemeClr val="tx1"/>
+            </a:solidFill>
+          </a:ln>
+        </p:spPr>
+        <p:txBody>
+          <a:bodyPr wrap="none" rtlCol="0">
+            <a:spAutoFit/>
+          </a:bodyPr>
+          <a:lstStyle/>
+          <a:p>
+            <a:pPr algn="ctr"/>
+            <a:r>
+              <a:rPr kumimoji="1" lang="en" altLang="zh-CN" sz="1200" dirty="0">
+                <a:latin typeface="Microsoft YaHei" panose="020B0503020204020204" pitchFamily="34" charset="-122"/>
+                <a:ea typeface="Microsoft YaHei" panose="020B0503020204020204" pitchFamily="34" charset="-122"/>
+              </a:rPr>
+              <a:t>related_titles</a:t>
+            </a:r>
+            <a:endParaRPr kumimoji="1" lang="zh-CN" altLang="en-US" sz="1200" dirty="0">
+              <a:latin typeface="Microsoft YaHei" panose="020B0503020204020204" pitchFamily="34" charset="-122"/>
+              <a:ea typeface="Microsoft YaHei" panose="020B0503020204020204" pitchFamily="34" charset="-122"/>
+            </a:endParaRPr>
+          </a:p>
+        </p:txBody>
+      </p:sp>
+      <p:sp>
+        <p:nvSpPr>
+          <p:cNvPr id="14" name="文本框 13">
+            <a:extLst>
+              <a:ext uri="{FF2B5EF4-FFF2-40B4-BE49-F238E27FC236}">
+                <a16:creationId xmlns:a16="http://schemas.microsoft.com/office/drawing/2014/main" id="{46AC2FF8-1A1F-9A1E-340B-C084D510B897}"/>
+              </a:ext>
+            </a:extLst>
+          </p:cNvPr>
+          <p:cNvSpPr txBox="1"/>
+          <p:nvPr/>
+        </p:nvSpPr>
+        <p:spPr>
+          <a:xfrm>
+            <a:off x="5117945" y="2821104"/>
+            <a:ext cx="1120563" cy="276999"/>
+          </a:xfrm>
+          <a:prstGeom prst="rect">
+            <a:avLst/>
+          </a:prstGeom>
+          <a:noFill/>
+          <a:ln>
+            <a:solidFill>
+              <a:schemeClr val="tx1"/>
+            </a:solidFill>
+          </a:ln>
+        </p:spPr>
+        <p:txBody>
+          <a:bodyPr wrap="square" rtlCol="0">
+            <a:spAutoFit/>
+          </a:bodyPr>
+          <a:lstStyle/>
+          <a:p>
+            <a:pPr algn="ctr"/>
+            <a:r>
+              <a:rPr kumimoji="1" lang="en" altLang="zh-CN" sz="1200" dirty="0">
+                <a:latin typeface="Microsoft YaHei" panose="020B0503020204020204" pitchFamily="34" charset="-122"/>
+                <a:ea typeface="Microsoft YaHei" panose="020B0503020204020204" pitchFamily="34" charset="-122"/>
+              </a:rPr>
+              <a:t>tag</a:t>
+            </a:r>
+          </a:p>
+        </p:txBody>
+      </p:sp>
+      <p:sp>
+        <p:nvSpPr>
+          <p:cNvPr id="22" name="文本框 21">
+            <a:extLst>
+              <a:ext uri="{FF2B5EF4-FFF2-40B4-BE49-F238E27FC236}">
+                <a16:creationId xmlns:a16="http://schemas.microsoft.com/office/drawing/2014/main" id="{9484C257-6E8B-070E-4658-A6463197D6E1}"/>
+              </a:ext>
+            </a:extLst>
+          </p:cNvPr>
+          <p:cNvSpPr txBox="1"/>
+          <p:nvPr/>
+        </p:nvSpPr>
+        <p:spPr>
+          <a:xfrm>
+            <a:off x="5117945" y="1925335"/>
+            <a:ext cx="1120563" cy="276999"/>
+          </a:xfrm>
+          <a:prstGeom prst="rect">
+            <a:avLst/>
+          </a:prstGeom>
+          <a:noFill/>
+          <a:ln>
+            <a:solidFill>
+              <a:schemeClr val="tx1"/>
+            </a:solidFill>
+          </a:ln>
+        </p:spPr>
+        <p:txBody>
+          <a:bodyPr wrap="square" rtlCol="0">
+            <a:spAutoFit/>
+          </a:bodyPr>
+          <a:lstStyle/>
+          <a:p>
+            <a:pPr algn="ctr"/>
+            <a:r>
+              <a:rPr kumimoji="1" lang="en" altLang="zh-CN" sz="1200" dirty="0">
+                <a:latin typeface="Microsoft YaHei" panose="020B0503020204020204" pitchFamily="34" charset="-122"/>
+                <a:ea typeface="Microsoft YaHei" panose="020B0503020204020204" pitchFamily="34" charset="-122"/>
+              </a:rPr>
+              <a:t>prompts</a:t>
+            </a:r>
+            <a:endParaRPr kumimoji="1" lang="zh-CN" altLang="en-US" sz="1200" dirty="0">
+              <a:latin typeface="Microsoft YaHei" panose="020B0503020204020204" pitchFamily="34" charset="-122"/>
+              <a:ea typeface="Microsoft YaHei" panose="020B0503020204020204" pitchFamily="34" charset="-122"/>
+            </a:endParaRPr>
+          </a:p>
+        </p:txBody>
+      </p:sp>
+      <p:sp>
+        <p:nvSpPr>
+          <p:cNvPr id="23" name="圆角右箭头 22">
+            <a:extLst>
+              <a:ext uri="{FF2B5EF4-FFF2-40B4-BE49-F238E27FC236}">
+                <a16:creationId xmlns:a16="http://schemas.microsoft.com/office/drawing/2014/main" id="{B1B36B2A-667D-6E49-2ECB-581FD115B6C9}"/>
               </a:ext>
             </a:extLst>
           </p:cNvPr>
@@ -4298,12 +4560,17 @@
           <p:nvPr/>
         </p:nvSpPr>
         <p:spPr>
-          <a:xfrm>
-            <a:off x="7019858" y="2166926"/>
-            <a:ext cx="360726" cy="218114"/>
-          </a:xfrm>
-          <a:prstGeom prst="rightArrow">
-            <a:avLst/>
+          <a:xfrm rot="1716078" flipH="1">
+            <a:off x="6201135" y="2089139"/>
+            <a:ext cx="355926" cy="693328"/>
+          </a:xfrm>
+          <a:prstGeom prst="bentArrow">
+            <a:avLst>
+              <a:gd name="adj1" fmla="val 12691"/>
+              <a:gd name="adj2" fmla="val 25000"/>
+              <a:gd name="adj3" fmla="val 25000"/>
+              <a:gd name="adj4" fmla="val 75000"/>
+            </a:avLst>
           </a:prstGeom>
           <a:solidFill>
             <a:schemeClr val="bg1">
@@ -4335,369 +4602,6 @@
           <a:lstStyle/>
           <a:p>
             <a:pPr algn="ctr"/>
-            <a:endParaRPr kumimoji="1" lang="zh-CN" altLang="en-US"/>
-          </a:p>
-        </p:txBody>
-      </p:sp>
-      <p:sp>
-        <p:nvSpPr>
-          <p:cNvPr id="18" name="文本框 17">
-            <a:extLst>
-              <a:ext uri="{FF2B5EF4-FFF2-40B4-BE49-F238E27FC236}">
-                <a16:creationId xmlns:a16="http://schemas.microsoft.com/office/drawing/2014/main" id="{2091B224-0463-71B1-0031-8B89B275B7FE}"/>
-              </a:ext>
-            </a:extLst>
-          </p:cNvPr>
-          <p:cNvSpPr txBox="1"/>
-          <p:nvPr/>
-        </p:nvSpPr>
-        <p:spPr>
-          <a:xfrm>
-            <a:off x="4021580" y="402563"/>
-            <a:ext cx="4148839" cy="369332"/>
-          </a:xfrm>
-          <a:prstGeom prst="rect">
-            <a:avLst/>
-          </a:prstGeom>
-          <a:noFill/>
-        </p:spPr>
-        <p:txBody>
-          <a:bodyPr wrap="square">
-            <a:spAutoFit/>
-          </a:bodyPr>
-          <a:lstStyle/>
-          <a:p>
-            <a:pPr algn="ctr"/>
-            <a:r>
-              <a:rPr kumimoji="1" lang="en" altLang="zh-CN" b="1" u="sng" dirty="0">
-                <a:latin typeface="Microsoft YaHei" panose="020B0503020204020204" pitchFamily="34" charset="-122"/>
-                <a:ea typeface="Microsoft YaHei" panose="020B0503020204020204" pitchFamily="34" charset="-122"/>
-              </a:rPr>
-              <a:t>Feature Engineering</a:t>
-            </a:r>
-            <a:endParaRPr kumimoji="1" lang="zh-CN" altLang="en-US" b="1" u="sng" dirty="0">
-              <a:latin typeface="Microsoft YaHei" panose="020B0503020204020204" pitchFamily="34" charset="-122"/>
-              <a:ea typeface="Microsoft YaHei" panose="020B0503020204020204" pitchFamily="34" charset="-122"/>
-            </a:endParaRPr>
-          </a:p>
-        </p:txBody>
-      </p:sp>
-      <p:sp>
-        <p:nvSpPr>
-          <p:cNvPr id="4" name="文本框 3">
-            <a:extLst>
-              <a:ext uri="{FF2B5EF4-FFF2-40B4-BE49-F238E27FC236}">
-                <a16:creationId xmlns:a16="http://schemas.microsoft.com/office/drawing/2014/main" id="{95C32A24-752F-9C79-5144-31740CBDCCD8}"/>
-              </a:ext>
-            </a:extLst>
-          </p:cNvPr>
-          <p:cNvSpPr txBox="1"/>
-          <p:nvPr/>
-        </p:nvSpPr>
-        <p:spPr>
-          <a:xfrm>
-            <a:off x="4837106" y="1096677"/>
-            <a:ext cx="2019335" cy="276999"/>
-          </a:xfrm>
-          <a:prstGeom prst="rect">
-            <a:avLst/>
-          </a:prstGeom>
-          <a:noFill/>
-        </p:spPr>
-        <p:txBody>
-          <a:bodyPr wrap="none" rtlCol="0">
-            <a:spAutoFit/>
-          </a:bodyPr>
-          <a:lstStyle/>
-          <a:p>
-            <a:r>
-              <a:rPr kumimoji="1" lang="en-US" altLang="zh-CN" sz="1200" b="1" i="1" dirty="0">
-                <a:latin typeface="Microsoft YaHei" panose="020B0503020204020204" pitchFamily="34" charset="-122"/>
-                <a:ea typeface="Microsoft YaHei" panose="020B0503020204020204" pitchFamily="34" charset="-122"/>
-              </a:rPr>
-              <a:t>Step 2:</a:t>
-            </a:r>
-            <a:r>
-              <a:rPr kumimoji="1" lang="zh-CN" altLang="en-US" sz="1200" b="1" i="1" dirty="0">
-                <a:latin typeface="Microsoft YaHei" panose="020B0503020204020204" pitchFamily="34" charset="-122"/>
-                <a:ea typeface="Microsoft YaHei" panose="020B0503020204020204" pitchFamily="34" charset="-122"/>
-              </a:rPr>
-              <a:t> </a:t>
-            </a:r>
-            <a:r>
-              <a:rPr kumimoji="1" lang="en-US" altLang="zh-CN" sz="1200" i="1" dirty="0">
-                <a:latin typeface="Microsoft YaHei" panose="020B0503020204020204" pitchFamily="34" charset="-122"/>
-                <a:ea typeface="Microsoft YaHei" panose="020B0503020204020204" pitchFamily="34" charset="-122"/>
-              </a:rPr>
-              <a:t>Merge Columns  </a:t>
-            </a:r>
-            <a:endParaRPr kumimoji="1" lang="zh-CN" altLang="en-US" sz="1200" i="1" dirty="0">
-              <a:latin typeface="Microsoft YaHei" panose="020B0503020204020204" pitchFamily="34" charset="-122"/>
-              <a:ea typeface="Microsoft YaHei" panose="020B0503020204020204" pitchFamily="34" charset="-122"/>
-            </a:endParaRPr>
-          </a:p>
-        </p:txBody>
-      </p:sp>
-      <p:sp>
-        <p:nvSpPr>
-          <p:cNvPr id="5" name="文本框 4">
-            <a:extLst>
-              <a:ext uri="{FF2B5EF4-FFF2-40B4-BE49-F238E27FC236}">
-                <a16:creationId xmlns:a16="http://schemas.microsoft.com/office/drawing/2014/main" id="{C97AA5D5-DB49-A9EC-0E6C-74560CCFD280}"/>
-              </a:ext>
-            </a:extLst>
-          </p:cNvPr>
-          <p:cNvSpPr txBox="1"/>
-          <p:nvPr/>
-        </p:nvSpPr>
-        <p:spPr>
-          <a:xfrm>
-            <a:off x="7774681" y="1096677"/>
-            <a:ext cx="3018262" cy="461665"/>
-          </a:xfrm>
-          <a:prstGeom prst="rect">
-            <a:avLst/>
-          </a:prstGeom>
-          <a:noFill/>
-        </p:spPr>
-        <p:txBody>
-          <a:bodyPr wrap="none" rtlCol="0">
-            <a:spAutoFit/>
-          </a:bodyPr>
-          <a:lstStyle/>
-          <a:p>
-            <a:r>
-              <a:rPr kumimoji="1" lang="en-US" altLang="zh-CN" sz="1200" b="1" i="1" dirty="0">
-                <a:latin typeface="Microsoft YaHei" panose="020B0503020204020204" pitchFamily="34" charset="-122"/>
-                <a:ea typeface="Microsoft YaHei" panose="020B0503020204020204" pitchFamily="34" charset="-122"/>
-              </a:rPr>
-              <a:t>Step 3:</a:t>
-            </a:r>
-            <a:r>
-              <a:rPr kumimoji="1" lang="zh-CN" altLang="en-US" sz="1200" b="1" i="1" dirty="0">
-                <a:latin typeface="Microsoft YaHei" panose="020B0503020204020204" pitchFamily="34" charset="-122"/>
-                <a:ea typeface="Microsoft YaHei" panose="020B0503020204020204" pitchFamily="34" charset="-122"/>
-              </a:rPr>
-              <a:t> </a:t>
-            </a:r>
-            <a:r>
-              <a:rPr kumimoji="1" lang="en-US" altLang="zh-CN" sz="1200" i="1" dirty="0">
-                <a:latin typeface="Microsoft YaHei" panose="020B0503020204020204" pitchFamily="34" charset="-122"/>
-                <a:ea typeface="Microsoft YaHei" panose="020B0503020204020204" pitchFamily="34" charset="-122"/>
-              </a:rPr>
-              <a:t>Drop Unnecessary Columns &amp; </a:t>
-            </a:r>
-          </a:p>
-          <a:p>
-            <a:r>
-              <a:rPr kumimoji="1" lang="en-US" altLang="zh-CN" sz="1200" i="1" dirty="0">
-                <a:latin typeface="Microsoft YaHei" panose="020B0503020204020204" pitchFamily="34" charset="-122"/>
-                <a:ea typeface="Microsoft YaHei" panose="020B0503020204020204" pitchFamily="34" charset="-122"/>
-              </a:rPr>
-              <a:t>Lowercase the Text</a:t>
-            </a:r>
-            <a:endParaRPr kumimoji="1" lang="zh-CN" altLang="en-US" sz="1200" i="1" dirty="0">
-              <a:latin typeface="Microsoft YaHei" panose="020B0503020204020204" pitchFamily="34" charset="-122"/>
-              <a:ea typeface="Microsoft YaHei" panose="020B0503020204020204" pitchFamily="34" charset="-122"/>
-            </a:endParaRPr>
-          </a:p>
-        </p:txBody>
-      </p:sp>
-      <p:sp>
-        <p:nvSpPr>
-          <p:cNvPr id="8" name="文本框 7">
-            <a:extLst>
-              <a:ext uri="{FF2B5EF4-FFF2-40B4-BE49-F238E27FC236}">
-                <a16:creationId xmlns:a16="http://schemas.microsoft.com/office/drawing/2014/main" id="{297E9FF2-28DE-8F9B-D5AD-8B03665F7276}"/>
-              </a:ext>
-            </a:extLst>
-          </p:cNvPr>
-          <p:cNvSpPr txBox="1"/>
-          <p:nvPr/>
-        </p:nvSpPr>
-        <p:spPr>
-          <a:xfrm>
-            <a:off x="5117945" y="2517141"/>
-            <a:ext cx="1120563" cy="276999"/>
-          </a:xfrm>
-          <a:prstGeom prst="rect">
-            <a:avLst/>
-          </a:prstGeom>
-          <a:noFill/>
-          <a:ln>
-            <a:solidFill>
-              <a:schemeClr val="tx1"/>
-            </a:solidFill>
-          </a:ln>
-        </p:spPr>
-        <p:txBody>
-          <a:bodyPr wrap="none" rtlCol="0">
-            <a:spAutoFit/>
-          </a:bodyPr>
-          <a:lstStyle/>
-          <a:p>
-            <a:pPr algn="ctr"/>
-            <a:r>
-              <a:rPr kumimoji="1" lang="en" altLang="zh-CN" sz="1200" dirty="0">
-                <a:latin typeface="Microsoft YaHei" panose="020B0503020204020204" pitchFamily="34" charset="-122"/>
-                <a:ea typeface="Microsoft YaHei" panose="020B0503020204020204" pitchFamily="34" charset="-122"/>
-              </a:rPr>
-              <a:t>related_titles</a:t>
-            </a:r>
-            <a:endParaRPr kumimoji="1" lang="zh-CN" altLang="en-US" sz="1200" dirty="0">
-              <a:latin typeface="Microsoft YaHei" panose="020B0503020204020204" pitchFamily="34" charset="-122"/>
-              <a:ea typeface="Microsoft YaHei" panose="020B0503020204020204" pitchFamily="34" charset="-122"/>
-            </a:endParaRPr>
-          </a:p>
-        </p:txBody>
-      </p:sp>
-      <p:sp>
-        <p:nvSpPr>
-          <p:cNvPr id="14" name="文本框 13">
-            <a:extLst>
-              <a:ext uri="{FF2B5EF4-FFF2-40B4-BE49-F238E27FC236}">
-                <a16:creationId xmlns:a16="http://schemas.microsoft.com/office/drawing/2014/main" id="{46AC2FF8-1A1F-9A1E-340B-C084D510B897}"/>
-              </a:ext>
-            </a:extLst>
-          </p:cNvPr>
-          <p:cNvSpPr txBox="1"/>
-          <p:nvPr/>
-        </p:nvSpPr>
-        <p:spPr>
-          <a:xfrm>
-            <a:off x="5117945" y="2821104"/>
-            <a:ext cx="1120563" cy="276999"/>
-          </a:xfrm>
-          <a:prstGeom prst="rect">
-            <a:avLst/>
-          </a:prstGeom>
-          <a:noFill/>
-          <a:ln>
-            <a:solidFill>
-              <a:schemeClr val="tx1"/>
-            </a:solidFill>
-          </a:ln>
-        </p:spPr>
-        <p:txBody>
-          <a:bodyPr wrap="square" rtlCol="0">
-            <a:spAutoFit/>
-          </a:bodyPr>
-          <a:lstStyle/>
-          <a:p>
-            <a:pPr algn="ctr"/>
-            <a:r>
-              <a:rPr kumimoji="1" lang="en" altLang="zh-CN" sz="1200" dirty="0">
-                <a:latin typeface="Microsoft YaHei" panose="020B0503020204020204" pitchFamily="34" charset="-122"/>
-                <a:ea typeface="Microsoft YaHei" panose="020B0503020204020204" pitchFamily="34" charset="-122"/>
-              </a:rPr>
-              <a:t>tag</a:t>
-            </a:r>
-          </a:p>
-        </p:txBody>
-      </p:sp>
-      <p:sp>
-        <p:nvSpPr>
-          <p:cNvPr id="22" name="文本框 21">
-            <a:extLst>
-              <a:ext uri="{FF2B5EF4-FFF2-40B4-BE49-F238E27FC236}">
-                <a16:creationId xmlns:a16="http://schemas.microsoft.com/office/drawing/2014/main" id="{9484C257-6E8B-070E-4658-A6463197D6E1}"/>
-              </a:ext>
-            </a:extLst>
-          </p:cNvPr>
-          <p:cNvSpPr txBox="1"/>
-          <p:nvPr/>
-        </p:nvSpPr>
-        <p:spPr>
-          <a:xfrm>
-            <a:off x="5117945" y="1925335"/>
-            <a:ext cx="1120563" cy="276999"/>
-          </a:xfrm>
-          <a:prstGeom prst="rect">
-            <a:avLst/>
-          </a:prstGeom>
-          <a:noFill/>
-          <a:ln>
-            <a:solidFill>
-              <a:schemeClr val="tx1"/>
-            </a:solidFill>
-          </a:ln>
-        </p:spPr>
-        <p:txBody>
-          <a:bodyPr wrap="square" rtlCol="0">
-            <a:spAutoFit/>
-          </a:bodyPr>
-          <a:lstStyle/>
-          <a:p>
-            <a:pPr algn="ctr"/>
-            <a:r>
-              <a:rPr kumimoji="1" lang="en" altLang="zh-CN" sz="1200" dirty="0">
-                <a:latin typeface="Microsoft YaHei" panose="020B0503020204020204" pitchFamily="34" charset="-122"/>
-                <a:ea typeface="Microsoft YaHei" panose="020B0503020204020204" pitchFamily="34" charset="-122"/>
-              </a:rPr>
-              <a:t>prompts</a:t>
-            </a:r>
-            <a:endParaRPr kumimoji="1" lang="zh-CN" altLang="en-US" sz="1200" dirty="0">
-              <a:latin typeface="Microsoft YaHei" panose="020B0503020204020204" pitchFamily="34" charset="-122"/>
-              <a:ea typeface="Microsoft YaHei" panose="020B0503020204020204" pitchFamily="34" charset="-122"/>
-            </a:endParaRPr>
-          </a:p>
-        </p:txBody>
-      </p:sp>
-      <p:sp>
-        <p:nvSpPr>
-          <p:cNvPr id="23" name="圆角右箭头 22">
-            <a:extLst>
-              <a:ext uri="{FF2B5EF4-FFF2-40B4-BE49-F238E27FC236}">
-                <a16:creationId xmlns:a16="http://schemas.microsoft.com/office/drawing/2014/main" id="{B1B36B2A-667D-6E49-2ECB-581FD115B6C9}"/>
-              </a:ext>
-            </a:extLst>
-          </p:cNvPr>
-          <p:cNvSpPr/>
-          <p:nvPr/>
-        </p:nvSpPr>
-        <p:spPr>
-          <a:xfrm rot="1716078" flipH="1">
-            <a:off x="6201135" y="2089139"/>
-            <a:ext cx="355926" cy="693328"/>
-          </a:xfrm>
-          <a:prstGeom prst="bentArrow">
-            <a:avLst>
-              <a:gd name="adj1" fmla="val 12691"/>
-              <a:gd name="adj2" fmla="val 25000"/>
-              <a:gd name="adj3" fmla="val 25000"/>
-              <a:gd name="adj4" fmla="val 75000"/>
-            </a:avLst>
-          </a:prstGeom>
-          <a:solidFill>
-            <a:schemeClr val="bg1">
-              <a:lumMod val="75000"/>
-            </a:schemeClr>
-          </a:solidFill>
-          <a:ln>
-            <a:noFill/>
-          </a:ln>
-        </p:spPr>
-        <p:style>
-          <a:lnRef idx="2">
-            <a:schemeClr val="accent1">
-              <a:shade val="15000"/>
-            </a:schemeClr>
-          </a:lnRef>
-          <a:fillRef idx="1">
-            <a:schemeClr val="accent1"/>
-          </a:fillRef>
-          <a:effectRef idx="0">
-            <a:schemeClr val="accent1"/>
-          </a:effectRef>
-          <a:fontRef idx="minor">
-            <a:schemeClr val="lt1"/>
-          </a:fontRef>
-        </p:style>
-        <p:txBody>
-          <a:bodyPr rtlCol="0" anchor="ctr"/>
-          <a:lstStyle/>
-          <a:p>
-            <a:pPr algn="ctr"/>
             <a:endParaRPr kumimoji="1" lang="zh-CN" altLang="en-US">
               <a:solidFill>
                 <a:schemeClr val="tx1"/>
@@ -4706,57 +4610,22 @@
           </a:p>
         </p:txBody>
       </p:sp>
-      <p:pic>
-        <p:nvPicPr>
-          <p:cNvPr id="29" name="图片 28">
-            <a:extLst>
-              <a:ext uri="{FF2B5EF4-FFF2-40B4-BE49-F238E27FC236}">
-                <a16:creationId xmlns:a16="http://schemas.microsoft.com/office/drawing/2014/main" id="{64DABB5D-F945-A295-F4DB-78C83540AED2}"/>
-              </a:ext>
-            </a:extLst>
-          </p:cNvPr>
-          <p:cNvPicPr>
-            <a:picLocks noChangeAspect="1"/>
-          </p:cNvPicPr>
+      <p:sp>
+        <p:nvSpPr>
+          <p:cNvPr id="33" name="文本框 32">
+            <a:extLst>
+              <a:ext uri="{FF2B5EF4-FFF2-40B4-BE49-F238E27FC236}">
+                <a16:creationId xmlns:a16="http://schemas.microsoft.com/office/drawing/2014/main" id="{9E7F41B7-1C08-344F-049A-83CA2009DE9F}"/>
+              </a:ext>
+            </a:extLst>
+          </p:cNvPr>
+          <p:cNvSpPr txBox="1"/>
           <p:nvPr/>
-        </p:nvPicPr>
-        <p:blipFill>
-          <a:blip r:embed="rId3"/>
-          <a:stretch>
-            <a:fillRect/>
-          </a:stretch>
-        </p:blipFill>
+        </p:nvSpPr>
         <p:spPr>
           <a:xfrm>
-            <a:off x="7706515" y="1995485"/>
-            <a:ext cx="3082566" cy="779110"/>
-          </a:xfrm>
-          <a:prstGeom prst="rect">
-            <a:avLst/>
-          </a:prstGeom>
-          <a:ln>
-            <a:solidFill>
-              <a:schemeClr val="tx1"/>
-            </a:solidFill>
-          </a:ln>
-        </p:spPr>
-      </p:pic>
-      <p:sp>
-        <p:nvSpPr>
-          <p:cNvPr id="31" name="文本框 30">
-            <a:extLst>
-              <a:ext uri="{FF2B5EF4-FFF2-40B4-BE49-F238E27FC236}">
-                <a16:creationId xmlns:a16="http://schemas.microsoft.com/office/drawing/2014/main" id="{D22AE2F6-7760-112D-24D1-E402F2CC4FDA}"/>
-              </a:ext>
-            </a:extLst>
-          </p:cNvPr>
-          <p:cNvSpPr txBox="1"/>
-          <p:nvPr/>
-        </p:nvSpPr>
-        <p:spPr>
-          <a:xfrm>
-            <a:off x="1068554" y="3969395"/>
-            <a:ext cx="2583784" cy="276999"/>
+            <a:off x="832123" y="4163098"/>
+            <a:ext cx="2078005" cy="461665"/>
           </a:xfrm>
           <a:prstGeom prst="rect">
             <a:avLst/>
@@ -4769,6 +4638,7 @@
           </a:bodyPr>
           <a:lstStyle/>
           <a:p>
+            <a:pPr algn="ctr"/>
             <a:r>
               <a:rPr kumimoji="1" lang="en-US" altLang="zh-CN" sz="1200" i="1" dirty="0">
                 <a:latin typeface="Microsoft YaHei" panose="020B0503020204020204" pitchFamily="34" charset="-122"/>
@@ -4802,136 +4672,22 @@
                 <a:latin typeface="Microsoft YaHei" panose="020B0503020204020204" pitchFamily="34" charset="-122"/>
                 <a:ea typeface="Microsoft YaHei" panose="020B0503020204020204" pitchFamily="34" charset="-122"/>
               </a:rPr>
-              <a:t>Tags from Data source 1</a:t>
+              <a:t> Frequent Words </a:t>
+            </a:r>
+          </a:p>
+          <a:p>
+            <a:pPr algn="ctr"/>
+            <a:r>
+              <a:rPr kumimoji="1" lang="en-US" altLang="zh-CN" sz="1200" i="1" dirty="0">
+                <a:latin typeface="Microsoft YaHei" panose="020B0503020204020204" pitchFamily="34" charset="-122"/>
+                <a:ea typeface="Microsoft YaHei" panose="020B0503020204020204" pitchFamily="34" charset="-122"/>
+              </a:rPr>
+              <a:t>from Data Source 2</a:t>
             </a:r>
             <a:endParaRPr kumimoji="1" lang="zh-CN" altLang="en-US" sz="1200" i="1" dirty="0">
               <a:latin typeface="Microsoft YaHei" panose="020B0503020204020204" pitchFamily="34" charset="-122"/>
               <a:ea typeface="Microsoft YaHei" panose="020B0503020204020204" pitchFamily="34" charset="-122"/>
             </a:endParaRPr>
-          </a:p>
-        </p:txBody>
-      </p:sp>
-      <p:sp>
-        <p:nvSpPr>
-          <p:cNvPr id="33" name="文本框 32">
-            <a:extLst>
-              <a:ext uri="{FF2B5EF4-FFF2-40B4-BE49-F238E27FC236}">
-                <a16:creationId xmlns:a16="http://schemas.microsoft.com/office/drawing/2014/main" id="{9E7F41B7-1C08-344F-049A-83CA2009DE9F}"/>
-              </a:ext>
-            </a:extLst>
-          </p:cNvPr>
-          <p:cNvSpPr txBox="1"/>
-          <p:nvPr/>
-        </p:nvSpPr>
-        <p:spPr>
-          <a:xfrm>
-            <a:off x="1068554" y="5331260"/>
-            <a:ext cx="2583784" cy="276999"/>
-          </a:xfrm>
-          <a:prstGeom prst="rect">
-            <a:avLst/>
-          </a:prstGeom>
-          <a:noFill/>
-        </p:spPr>
-        <p:txBody>
-          <a:bodyPr wrap="none" rtlCol="0">
-            <a:spAutoFit/>
-          </a:bodyPr>
-          <a:lstStyle/>
-          <a:p>
-            <a:r>
-              <a:rPr kumimoji="1" lang="en-US" altLang="zh-CN" sz="1200" i="1" dirty="0">
-                <a:latin typeface="Microsoft YaHei" panose="020B0503020204020204" pitchFamily="34" charset="-122"/>
-                <a:ea typeface="Microsoft YaHei" panose="020B0503020204020204" pitchFamily="34" charset="-122"/>
-              </a:rPr>
-              <a:t>Top</a:t>
-            </a:r>
-            <a:r>
-              <a:rPr kumimoji="1" lang="zh-CN" altLang="en-US" sz="1200" i="1" dirty="0">
-                <a:latin typeface="Microsoft YaHei" panose="020B0503020204020204" pitchFamily="34" charset="-122"/>
-                <a:ea typeface="Microsoft YaHei" panose="020B0503020204020204" pitchFamily="34" charset="-122"/>
-              </a:rPr>
-              <a:t> </a:t>
-            </a:r>
-            <a:r>
-              <a:rPr kumimoji="1" lang="en-US" altLang="zh-CN" sz="1200" i="1" dirty="0">
-                <a:latin typeface="Microsoft YaHei" panose="020B0503020204020204" pitchFamily="34" charset="-122"/>
-                <a:ea typeface="Microsoft YaHei" panose="020B0503020204020204" pitchFamily="34" charset="-122"/>
-              </a:rPr>
-              <a:t>100</a:t>
-            </a:r>
-            <a:r>
-              <a:rPr kumimoji="1" lang="zh-CN" altLang="en-US" sz="1200" i="1" dirty="0">
-                <a:latin typeface="Microsoft YaHei" panose="020B0503020204020204" pitchFamily="34" charset="-122"/>
-                <a:ea typeface="Microsoft YaHei" panose="020B0503020204020204" pitchFamily="34" charset="-122"/>
-              </a:rPr>
-              <a:t> </a:t>
-            </a:r>
-            <a:r>
-              <a:rPr kumimoji="1" lang="en-US" altLang="zh-CN" sz="1200" i="1" dirty="0">
-                <a:latin typeface="Microsoft YaHei" panose="020B0503020204020204" pitchFamily="34" charset="-122"/>
-                <a:ea typeface="Microsoft YaHei" panose="020B0503020204020204" pitchFamily="34" charset="-122"/>
-              </a:rPr>
-              <a:t>Tags from Data source 2</a:t>
-            </a:r>
-            <a:endParaRPr kumimoji="1" lang="zh-CN" altLang="en-US" sz="1200" i="1" dirty="0">
-              <a:latin typeface="Microsoft YaHei" panose="020B0503020204020204" pitchFamily="34" charset="-122"/>
-              <a:ea typeface="Microsoft YaHei" panose="020B0503020204020204" pitchFamily="34" charset="-122"/>
-            </a:endParaRPr>
-          </a:p>
-        </p:txBody>
-      </p:sp>
-      <p:sp>
-        <p:nvSpPr>
-          <p:cNvPr id="34" name="右箭头 33">
-            <a:extLst>
-              <a:ext uri="{FF2B5EF4-FFF2-40B4-BE49-F238E27FC236}">
-                <a16:creationId xmlns:a16="http://schemas.microsoft.com/office/drawing/2014/main" id="{B35F4C20-3BE4-C00B-00E4-4925A067585E}"/>
-              </a:ext>
-            </a:extLst>
-          </p:cNvPr>
-          <p:cNvSpPr/>
-          <p:nvPr/>
-        </p:nvSpPr>
-        <p:spPr>
-          <a:xfrm rot="20048225" flipV="1">
-            <a:off x="3805590" y="5313711"/>
-            <a:ext cx="360726" cy="218114"/>
-          </a:xfrm>
-          <a:prstGeom prst="rightArrow">
-            <a:avLst/>
-          </a:prstGeom>
-          <a:solidFill>
-            <a:schemeClr val="bg1">
-              <a:lumMod val="75000"/>
-            </a:schemeClr>
-          </a:solidFill>
-          <a:ln>
-            <a:noFill/>
-          </a:ln>
-        </p:spPr>
-        <p:style>
-          <a:lnRef idx="2">
-            <a:schemeClr val="accent1">
-              <a:shade val="15000"/>
-            </a:schemeClr>
-          </a:lnRef>
-          <a:fillRef idx="1">
-            <a:schemeClr val="accent1"/>
-          </a:fillRef>
-          <a:effectRef idx="0">
-            <a:schemeClr val="accent1"/>
-          </a:effectRef>
-          <a:fontRef idx="minor">
-            <a:schemeClr val="lt1"/>
-          </a:fontRef>
-        </p:style>
-        <p:txBody>
-          <a:bodyPr rtlCol="0" anchor="ctr"/>
-          <a:lstStyle/>
-          <a:p>
-            <a:pPr algn="ctr"/>
-            <a:endParaRPr kumimoji="1" lang="zh-CN" altLang="en-US"/>
           </a:p>
         </p:txBody>
       </p:sp>
@@ -4950,352 +4706,13 @@
           <p:nvPr>
             <p:extLst>
               <p:ext uri="{D42A27DB-BD31-4B8C-83A1-F6EECF244321}">
-                <p14:modId xmlns:p14="http://schemas.microsoft.com/office/powerpoint/2010/main" val="4279729424"/>
+                <p14:modId xmlns:p14="http://schemas.microsoft.com/office/powerpoint/2010/main" val="2062274149"/>
               </p:ext>
             </p:extLst>
           </p:nvPr>
         </p:nvGraphicFramePr>
         <p:xfrm>
-          <a:off x="1800164" y="5761323"/>
-          <a:ext cx="1120563" cy="292100"/>
-        </p:xfrm>
-        <a:graphic>
-          <a:graphicData uri="http://schemas.openxmlformats.org/drawingml/2006/table">
-            <a:tbl>
-              <a:tblPr>
-                <a:tableStyleId>{5C22544A-7EE6-4342-B048-85BDC9FD1C3A}</a:tableStyleId>
-              </a:tblPr>
-              <a:tblGrid>
-                <a:gridCol w="246076">
-                  <a:extLst>
-                    <a:ext uri="{9D8B030D-6E8A-4147-A177-3AD203B41FA5}">
-                      <a16:colId xmlns:a16="http://schemas.microsoft.com/office/drawing/2014/main" val="1238834388"/>
-                    </a:ext>
-                  </a:extLst>
-                </a:gridCol>
-                <a:gridCol w="303587">
-                  <a:extLst>
-                    <a:ext uri="{9D8B030D-6E8A-4147-A177-3AD203B41FA5}">
-                      <a16:colId xmlns:a16="http://schemas.microsoft.com/office/drawing/2014/main" val="2034553288"/>
-                    </a:ext>
-                  </a:extLst>
-                </a:gridCol>
-                <a:gridCol w="282504">
-                  <a:extLst>
-                    <a:ext uri="{9D8B030D-6E8A-4147-A177-3AD203B41FA5}">
-                      <a16:colId xmlns:a16="http://schemas.microsoft.com/office/drawing/2014/main" val="3870022520"/>
-                    </a:ext>
-                  </a:extLst>
-                </a:gridCol>
-                <a:gridCol w="288396">
-                  <a:extLst>
-                    <a:ext uri="{9D8B030D-6E8A-4147-A177-3AD203B41FA5}">
-                      <a16:colId xmlns:a16="http://schemas.microsoft.com/office/drawing/2014/main" val="2154232108"/>
-                    </a:ext>
-                  </a:extLst>
-                </a:gridCol>
-              </a:tblGrid>
-              <a:tr h="292100">
-                <a:tc>
-                  <a:txBody>
-                    <a:bodyPr/>
-                    <a:lstStyle/>
-                    <a:p>
-                      <a:pPr algn="ctr" fontAlgn="ctr"/>
-                      <a:r>
-                        <a:rPr lang="en-US" altLang="zh-CN" sz="1200" b="0" i="0" u="none" strike="noStrike" dirty="0">
-                          <a:solidFill>
-                            <a:srgbClr val="000000"/>
-                          </a:solidFill>
-                          <a:effectLst/>
-                          <a:latin typeface="微软雅黑" panose="020B0503020204020204" pitchFamily="34" charset="-122"/>
-                          <a:ea typeface="微软雅黑" panose="020B0503020204020204" pitchFamily="34" charset="-122"/>
-                        </a:rPr>
-                        <a:t>1</a:t>
-                      </a:r>
-                      <a:endParaRPr lang="zh-CN" altLang="en-US" sz="1200" b="0" i="0" u="none" strike="noStrike" dirty="0">
-                        <a:solidFill>
-                          <a:srgbClr val="000000"/>
-                        </a:solidFill>
-                        <a:effectLst/>
-                        <a:latin typeface="微软雅黑" panose="020B0503020204020204" pitchFamily="34" charset="-122"/>
-                        <a:ea typeface="微软雅黑" panose="020B0503020204020204" pitchFamily="34" charset="-122"/>
-                      </a:endParaRPr>
-                    </a:p>
-                  </a:txBody>
-                  <a:tcPr marL="9525" marR="9525" marT="9525" marB="0" anchor="ctr">
-                    <a:lnL w="12700" cap="flat" cmpd="sng" algn="ctr">
-                      <a:solidFill>
-                        <a:schemeClr val="tx1"/>
-                      </a:solidFill>
-                      <a:prstDash val="solid"/>
-                      <a:round/>
-                      <a:headEnd type="none" w="med" len="med"/>
-                      <a:tailEnd type="none" w="med" len="med"/>
-                    </a:lnL>
-                    <a:lnR w="12700" cap="flat" cmpd="sng" algn="ctr">
-                      <a:solidFill>
-                        <a:schemeClr val="tx1"/>
-                      </a:solidFill>
-                      <a:prstDash val="solid"/>
-                      <a:round/>
-                      <a:headEnd type="none" w="med" len="med"/>
-                      <a:tailEnd type="none" w="med" len="med"/>
-                    </a:lnR>
-                    <a:lnT w="12700" cap="flat" cmpd="sng" algn="ctr">
-                      <a:solidFill>
-                        <a:schemeClr val="tx1"/>
-                      </a:solidFill>
-                      <a:prstDash val="solid"/>
-                      <a:round/>
-                      <a:headEnd type="none" w="med" len="med"/>
-                      <a:tailEnd type="none" w="med" len="med"/>
-                    </a:lnT>
-                    <a:lnB w="12700" cap="flat" cmpd="sng" algn="ctr">
-                      <a:solidFill>
-                        <a:schemeClr val="tx1"/>
-                      </a:solidFill>
-                      <a:prstDash val="solid"/>
-                      <a:round/>
-                      <a:headEnd type="none" w="med" len="med"/>
-                      <a:tailEnd type="none" w="med" len="med"/>
-                    </a:lnB>
-                    <a:noFill/>
-                  </a:tcPr>
-                </a:tc>
-                <a:tc>
-                  <a:txBody>
-                    <a:bodyPr/>
-                    <a:lstStyle/>
-                    <a:p>
-                      <a:pPr algn="ctr" fontAlgn="ctr"/>
-                      <a:r>
-                        <a:rPr lang="en-US" altLang="zh-CN" sz="1200" b="0" i="0" u="none" strike="noStrike" dirty="0">
-                          <a:solidFill>
-                            <a:srgbClr val="000000"/>
-                          </a:solidFill>
-                          <a:effectLst/>
-                          <a:latin typeface="微软雅黑" panose="020B0503020204020204" pitchFamily="34" charset="-122"/>
-                          <a:ea typeface="微软雅黑" panose="020B0503020204020204" pitchFamily="34" charset="-122"/>
-                        </a:rPr>
-                        <a:t>2</a:t>
-                      </a:r>
-                      <a:endParaRPr lang="zh-CN" altLang="en-US" sz="1200" b="0" i="0" u="none" strike="noStrike" dirty="0">
-                        <a:solidFill>
-                          <a:srgbClr val="000000"/>
-                        </a:solidFill>
-                        <a:effectLst/>
-                        <a:latin typeface="微软雅黑" panose="020B0503020204020204" pitchFamily="34" charset="-122"/>
-                        <a:ea typeface="微软雅黑" panose="020B0503020204020204" pitchFamily="34" charset="-122"/>
-                      </a:endParaRPr>
-                    </a:p>
-                  </a:txBody>
-                  <a:tcPr marL="9525" marR="9525" marT="9525" marB="0" anchor="ctr">
-                    <a:lnL w="12700" cap="flat" cmpd="sng" algn="ctr">
-                      <a:solidFill>
-                        <a:schemeClr val="tx1"/>
-                      </a:solidFill>
-                      <a:prstDash val="solid"/>
-                      <a:round/>
-                      <a:headEnd type="none" w="med" len="med"/>
-                      <a:tailEnd type="none" w="med" len="med"/>
-                    </a:lnL>
-                    <a:lnR w="12700" cap="flat" cmpd="sng" algn="ctr">
-                      <a:solidFill>
-                        <a:schemeClr val="tx1"/>
-                      </a:solidFill>
-                      <a:prstDash val="solid"/>
-                      <a:round/>
-                      <a:headEnd type="none" w="med" len="med"/>
-                      <a:tailEnd type="none" w="med" len="med"/>
-                    </a:lnR>
-                    <a:lnT w="12700" cap="flat" cmpd="sng" algn="ctr">
-                      <a:solidFill>
-                        <a:schemeClr val="tx1"/>
-                      </a:solidFill>
-                      <a:prstDash val="solid"/>
-                      <a:round/>
-                      <a:headEnd type="none" w="med" len="med"/>
-                      <a:tailEnd type="none" w="med" len="med"/>
-                    </a:lnT>
-                    <a:lnB w="12700" cap="flat" cmpd="sng" algn="ctr">
-                      <a:solidFill>
-                        <a:schemeClr val="tx1"/>
-                      </a:solidFill>
-                      <a:prstDash val="solid"/>
-                      <a:round/>
-                      <a:headEnd type="none" w="med" len="med"/>
-                      <a:tailEnd type="none" w="med" len="med"/>
-                    </a:lnB>
-                    <a:noFill/>
-                  </a:tcPr>
-                </a:tc>
-                <a:tc>
-                  <a:txBody>
-                    <a:bodyPr/>
-                    <a:lstStyle/>
-                    <a:p>
-                      <a:pPr algn="ctr" fontAlgn="ctr"/>
-                      <a:r>
-                        <a:rPr lang="en-US" altLang="zh-CN" sz="1200" b="0" i="0" u="none" strike="noStrike" dirty="0">
-                          <a:solidFill>
-                            <a:srgbClr val="000000"/>
-                          </a:solidFill>
-                          <a:effectLst/>
-                          <a:latin typeface="微软雅黑" panose="020B0503020204020204" pitchFamily="34" charset="-122"/>
-                          <a:ea typeface="微软雅黑" panose="020B0503020204020204" pitchFamily="34" charset="-122"/>
-                        </a:rPr>
-                        <a:t>…</a:t>
-                      </a:r>
-                      <a:endParaRPr lang="zh-CN" altLang="en-US" sz="1200" b="0" i="0" u="none" strike="noStrike" dirty="0">
-                        <a:solidFill>
-                          <a:srgbClr val="000000"/>
-                        </a:solidFill>
-                        <a:effectLst/>
-                        <a:latin typeface="微软雅黑" panose="020B0503020204020204" pitchFamily="34" charset="-122"/>
-                        <a:ea typeface="微软雅黑" panose="020B0503020204020204" pitchFamily="34" charset="-122"/>
-                      </a:endParaRPr>
-                    </a:p>
-                  </a:txBody>
-                  <a:tcPr marL="9525" marR="9525" marT="9525" marB="0" anchor="ctr">
-                    <a:lnL w="12700" cap="flat" cmpd="sng" algn="ctr">
-                      <a:solidFill>
-                        <a:schemeClr val="tx1"/>
-                      </a:solidFill>
-                      <a:prstDash val="solid"/>
-                      <a:round/>
-                      <a:headEnd type="none" w="med" len="med"/>
-                      <a:tailEnd type="none" w="med" len="med"/>
-                    </a:lnL>
-                    <a:lnR w="12700" cap="flat" cmpd="sng" algn="ctr">
-                      <a:solidFill>
-                        <a:schemeClr val="tx1"/>
-                      </a:solidFill>
-                      <a:prstDash val="solid"/>
-                      <a:round/>
-                      <a:headEnd type="none" w="med" len="med"/>
-                      <a:tailEnd type="none" w="med" len="med"/>
-                    </a:lnR>
-                    <a:lnT w="12700" cap="flat" cmpd="sng" algn="ctr">
-                      <a:solidFill>
-                        <a:schemeClr val="tx1"/>
-                      </a:solidFill>
-                      <a:prstDash val="solid"/>
-                      <a:round/>
-                      <a:headEnd type="none" w="med" len="med"/>
-                      <a:tailEnd type="none" w="med" len="med"/>
-                    </a:lnT>
-                    <a:lnB w="12700" cap="flat" cmpd="sng" algn="ctr">
-                      <a:solidFill>
-                        <a:schemeClr val="tx1"/>
-                      </a:solidFill>
-                      <a:prstDash val="solid"/>
-                      <a:round/>
-                      <a:headEnd type="none" w="med" len="med"/>
-                      <a:tailEnd type="none" w="med" len="med"/>
-                    </a:lnB>
-                    <a:noFill/>
-                  </a:tcPr>
-                </a:tc>
-                <a:tc>
-                  <a:txBody>
-                    <a:bodyPr/>
-                    <a:lstStyle/>
-                    <a:p>
-                      <a:pPr algn="ctr" fontAlgn="ctr"/>
-                      <a:r>
-                        <a:rPr lang="en-US" altLang="zh-CN" sz="1200" b="0" i="0" u="none" strike="noStrike" dirty="0">
-                          <a:solidFill>
-                            <a:srgbClr val="000000"/>
-                          </a:solidFill>
-                          <a:effectLst/>
-                          <a:latin typeface="微软雅黑" panose="020B0503020204020204" pitchFamily="34" charset="-122"/>
-                          <a:ea typeface="微软雅黑" panose="020B0503020204020204" pitchFamily="34" charset="-122"/>
-                        </a:rPr>
-                        <a:t>100</a:t>
-                      </a:r>
-                      <a:endParaRPr lang="zh-CN" altLang="en-US" sz="1200" b="0" i="0" u="none" strike="noStrike" dirty="0">
-                        <a:solidFill>
-                          <a:srgbClr val="000000"/>
-                        </a:solidFill>
-                        <a:effectLst/>
-                        <a:latin typeface="微软雅黑" panose="020B0503020204020204" pitchFamily="34" charset="-122"/>
-                        <a:ea typeface="微软雅黑" panose="020B0503020204020204" pitchFamily="34" charset="-122"/>
-                      </a:endParaRPr>
-                    </a:p>
-                  </a:txBody>
-                  <a:tcPr marL="9525" marR="9525" marT="9525" marB="0" anchor="ctr">
-                    <a:lnL w="12700" cap="flat" cmpd="sng" algn="ctr">
-                      <a:solidFill>
-                        <a:schemeClr val="tx1"/>
-                      </a:solidFill>
-                      <a:prstDash val="solid"/>
-                      <a:round/>
-                      <a:headEnd type="none" w="med" len="med"/>
-                      <a:tailEnd type="none" w="med" len="med"/>
-                    </a:lnL>
-                    <a:lnR w="12700" cap="flat" cmpd="sng" algn="ctr">
-                      <a:solidFill>
-                        <a:schemeClr val="tx1"/>
-                      </a:solidFill>
-                      <a:prstDash val="solid"/>
-                      <a:round/>
-                      <a:headEnd type="none" w="med" len="med"/>
-                      <a:tailEnd type="none" w="med" len="med"/>
-                    </a:lnR>
-                    <a:lnT w="12700" cap="flat" cmpd="sng" algn="ctr">
-                      <a:solidFill>
-                        <a:schemeClr val="tx1"/>
-                      </a:solidFill>
-                      <a:prstDash val="solid"/>
-                      <a:round/>
-                      <a:headEnd type="none" w="med" len="med"/>
-                      <a:tailEnd type="none" w="med" len="med"/>
-                    </a:lnT>
-                    <a:lnB w="12700" cap="flat" cmpd="sng" algn="ctr">
-                      <a:solidFill>
-                        <a:schemeClr val="tx1"/>
-                      </a:solidFill>
-                      <a:prstDash val="solid"/>
-                      <a:round/>
-                      <a:headEnd type="none" w="med" len="med"/>
-                      <a:tailEnd type="none" w="med" len="med"/>
-                    </a:lnB>
-                    <a:noFill/>
-                  </a:tcPr>
-                </a:tc>
-                <a:extLst>
-                  <a:ext uri="{0D108BD9-81ED-4DB2-BD59-A6C34878D82A}">
-                    <a16:rowId xmlns:a16="http://schemas.microsoft.com/office/drawing/2014/main" val="707880815"/>
-                  </a:ext>
-                </a:extLst>
-              </a:tr>
-            </a:tbl>
-          </a:graphicData>
-        </a:graphic>
-      </p:graphicFrame>
-      <p:graphicFrame>
-        <p:nvGraphicFramePr>
-          <p:cNvPr id="38" name="表格 37">
-            <a:extLst>
-              <a:ext uri="{FF2B5EF4-FFF2-40B4-BE49-F238E27FC236}">
-                <a16:creationId xmlns:a16="http://schemas.microsoft.com/office/drawing/2014/main" id="{BE3F7F50-E69C-F542-FD6E-6DD3C550C59E}"/>
-              </a:ext>
-            </a:extLst>
-          </p:cNvPr>
-          <p:cNvGraphicFramePr>
-            <a:graphicFrameLocks noGrp="1"/>
-          </p:cNvGraphicFramePr>
-          <p:nvPr>
-            <p:extLst>
-              <p:ext uri="{D42A27DB-BD31-4B8C-83A1-F6EECF244321}">
-                <p14:modId xmlns:p14="http://schemas.microsoft.com/office/powerpoint/2010/main" val="3971803009"/>
-              </p:ext>
-            </p:extLst>
-          </p:nvPr>
-        </p:nvGraphicFramePr>
-        <p:xfrm>
-          <a:off x="1800164" y="4307918"/>
+          <a:off x="1294862" y="4655667"/>
           <a:ext cx="1120563" cy="292100"/>
         </p:xfrm>
         <a:graphic>
@@ -5628,13 +5045,13 @@
           <p:nvPr>
             <p:extLst>
               <p:ext uri="{D42A27DB-BD31-4B8C-83A1-F6EECF244321}">
-                <p14:modId xmlns:p14="http://schemas.microsoft.com/office/powerpoint/2010/main" val="1306472729"/>
+                <p14:modId xmlns:p14="http://schemas.microsoft.com/office/powerpoint/2010/main" val="1811473639"/>
               </p:ext>
             </p:extLst>
           </p:nvPr>
         </p:nvGraphicFramePr>
         <p:xfrm>
-          <a:off x="4276824" y="4655667"/>
+          <a:off x="4784018" y="4655667"/>
           <a:ext cx="1120563" cy="292100"/>
         </p:xfrm>
         <a:graphic>
@@ -5882,7 +5299,7 @@
                     <a:p>
                       <a:pPr algn="ctr" fontAlgn="ctr"/>
                       <a:r>
-                        <a:rPr lang="en-US" altLang="zh-CN" sz="1200" b="0" i="0" u="none" strike="noStrike">
+                        <a:rPr lang="en-US" altLang="zh-CN" sz="1200" b="0" i="0" u="none" strike="noStrike" dirty="0">
                           <a:solidFill>
                             <a:srgbClr val="000000"/>
                           </a:solidFill>
@@ -5952,10 +5369,1169 @@
           </a:graphicData>
         </a:graphic>
       </p:graphicFrame>
+      <p:sp>
+        <p:nvSpPr>
+          <p:cNvPr id="40" name="右箭头 39">
+            <a:extLst>
+              <a:ext uri="{FF2B5EF4-FFF2-40B4-BE49-F238E27FC236}">
+                <a16:creationId xmlns:a16="http://schemas.microsoft.com/office/drawing/2014/main" id="{5EA9B845-D29C-A0A2-1853-A54B7B56B584}"/>
+              </a:ext>
+            </a:extLst>
+          </p:cNvPr>
+          <p:cNvSpPr/>
+          <p:nvPr/>
+        </p:nvSpPr>
+        <p:spPr>
+          <a:xfrm>
+            <a:off x="6997099" y="2166926"/>
+            <a:ext cx="360726" cy="218114"/>
+          </a:xfrm>
+          <a:prstGeom prst="rightArrow">
+            <a:avLst/>
+          </a:prstGeom>
+          <a:solidFill>
+            <a:schemeClr val="bg1">
+              <a:lumMod val="75000"/>
+            </a:schemeClr>
+          </a:solidFill>
+          <a:ln>
+            <a:noFill/>
+          </a:ln>
+        </p:spPr>
+        <p:style>
+          <a:lnRef idx="2">
+            <a:schemeClr val="accent1">
+              <a:shade val="15000"/>
+            </a:schemeClr>
+          </a:lnRef>
+          <a:fillRef idx="1">
+            <a:schemeClr val="accent1"/>
+          </a:fillRef>
+          <a:effectRef idx="0">
+            <a:schemeClr val="accent1"/>
+          </a:effectRef>
+          <a:fontRef idx="minor">
+            <a:schemeClr val="lt1"/>
+          </a:fontRef>
+        </p:style>
+        <p:txBody>
+          <a:bodyPr rtlCol="0" anchor="ctr"/>
+          <a:lstStyle/>
+          <a:p>
+            <a:pPr algn="ctr"/>
+            <a:endParaRPr kumimoji="1" lang="zh-CN" altLang="en-US"/>
+          </a:p>
+        </p:txBody>
+      </p:sp>
+      <p:sp>
+        <p:nvSpPr>
+          <p:cNvPr id="43" name="右箭头 42">
+            <a:extLst>
+              <a:ext uri="{FF2B5EF4-FFF2-40B4-BE49-F238E27FC236}">
+                <a16:creationId xmlns:a16="http://schemas.microsoft.com/office/drawing/2014/main" id="{0FC23A39-51CC-DFE2-39D6-437EF7BBDF7F}"/>
+              </a:ext>
+            </a:extLst>
+          </p:cNvPr>
+          <p:cNvSpPr/>
+          <p:nvPr/>
+        </p:nvSpPr>
+        <p:spPr>
+          <a:xfrm rot="7668633">
+            <a:off x="7744253" y="2630448"/>
+            <a:ext cx="410573" cy="240564"/>
+          </a:xfrm>
+          <a:prstGeom prst="rightArrow">
+            <a:avLst/>
+          </a:prstGeom>
+          <a:solidFill>
+            <a:schemeClr val="bg1">
+              <a:lumMod val="75000"/>
+            </a:schemeClr>
+          </a:solidFill>
+          <a:ln>
+            <a:noFill/>
+          </a:ln>
+        </p:spPr>
+        <p:style>
+          <a:lnRef idx="2">
+            <a:schemeClr val="accent1">
+              <a:shade val="15000"/>
+            </a:schemeClr>
+          </a:lnRef>
+          <a:fillRef idx="1">
+            <a:schemeClr val="accent1"/>
+          </a:fillRef>
+          <a:effectRef idx="0">
+            <a:schemeClr val="accent1"/>
+          </a:effectRef>
+          <a:fontRef idx="minor">
+            <a:schemeClr val="lt1"/>
+          </a:fontRef>
+        </p:style>
+        <p:txBody>
+          <a:bodyPr rtlCol="0" anchor="ctr"/>
+          <a:lstStyle/>
+          <a:p>
+            <a:pPr algn="ctr"/>
+            <a:endParaRPr kumimoji="1" lang="zh-CN" altLang="en-US"/>
+          </a:p>
+        </p:txBody>
+      </p:sp>
+      <p:sp>
+        <p:nvSpPr>
+          <p:cNvPr id="44" name="右箭头 43">
+            <a:extLst>
+              <a:ext uri="{FF2B5EF4-FFF2-40B4-BE49-F238E27FC236}">
+                <a16:creationId xmlns:a16="http://schemas.microsoft.com/office/drawing/2014/main" id="{862DC9C8-618B-D0D5-2C67-D1E9366B378F}"/>
+              </a:ext>
+            </a:extLst>
+          </p:cNvPr>
+          <p:cNvSpPr/>
+          <p:nvPr/>
+        </p:nvSpPr>
+        <p:spPr>
+          <a:xfrm>
+            <a:off x="6094736" y="4678985"/>
+            <a:ext cx="508458" cy="197815"/>
+          </a:xfrm>
+          <a:prstGeom prst="rightArrow">
+            <a:avLst/>
+          </a:prstGeom>
+          <a:solidFill>
+            <a:schemeClr val="bg1">
+              <a:lumMod val="75000"/>
+            </a:schemeClr>
+          </a:solidFill>
+          <a:ln>
+            <a:noFill/>
+          </a:ln>
+        </p:spPr>
+        <p:style>
+          <a:lnRef idx="2">
+            <a:schemeClr val="accent1">
+              <a:shade val="15000"/>
+            </a:schemeClr>
+          </a:lnRef>
+          <a:fillRef idx="1">
+            <a:schemeClr val="accent1"/>
+          </a:fillRef>
+          <a:effectRef idx="0">
+            <a:schemeClr val="accent1"/>
+          </a:effectRef>
+          <a:fontRef idx="minor">
+            <a:schemeClr val="lt1"/>
+          </a:fontRef>
+        </p:style>
+        <p:txBody>
+          <a:bodyPr rtlCol="0" anchor="ctr"/>
+          <a:lstStyle/>
+          <a:p>
+            <a:pPr algn="ctr"/>
+            <a:endParaRPr kumimoji="1" lang="zh-CN" altLang="en-US"/>
+          </a:p>
+        </p:txBody>
+      </p:sp>
+      <p:sp>
+        <p:nvSpPr>
+          <p:cNvPr id="45" name="文本框 44">
+            <a:extLst>
+              <a:ext uri="{FF2B5EF4-FFF2-40B4-BE49-F238E27FC236}">
+                <a16:creationId xmlns:a16="http://schemas.microsoft.com/office/drawing/2014/main" id="{1E17EB64-07B1-4BFC-13D6-48B1B2412064}"/>
+              </a:ext>
+            </a:extLst>
+          </p:cNvPr>
+          <p:cNvSpPr txBox="1"/>
+          <p:nvPr/>
+        </p:nvSpPr>
+        <p:spPr>
+          <a:xfrm>
+            <a:off x="4635619" y="4307740"/>
+            <a:ext cx="1459117" cy="276999"/>
+          </a:xfrm>
+          <a:prstGeom prst="rect">
+            <a:avLst/>
+          </a:prstGeom>
+          <a:noFill/>
+        </p:spPr>
+        <p:txBody>
+          <a:bodyPr wrap="none" rtlCol="0">
+            <a:spAutoFit/>
+          </a:bodyPr>
+          <a:lstStyle/>
+          <a:p>
+            <a:r>
+              <a:rPr kumimoji="1" lang="en-US" altLang="zh-CN" sz="1200" i="1" dirty="0">
+                <a:latin typeface="Microsoft YaHei" panose="020B0503020204020204" pitchFamily="34" charset="-122"/>
+                <a:ea typeface="Microsoft YaHei" panose="020B0503020204020204" pitchFamily="34" charset="-122"/>
+              </a:rPr>
+              <a:t>Common</a:t>
+            </a:r>
+            <a:r>
+              <a:rPr kumimoji="1" lang="zh-CN" altLang="en-US" sz="1200" i="1" dirty="0">
+                <a:latin typeface="Microsoft YaHei" panose="020B0503020204020204" pitchFamily="34" charset="-122"/>
+                <a:ea typeface="Microsoft YaHei" panose="020B0503020204020204" pitchFamily="34" charset="-122"/>
+              </a:rPr>
+              <a:t> </a:t>
+            </a:r>
+            <a:r>
+              <a:rPr kumimoji="1" lang="en-US" altLang="zh-CN" sz="1200" i="1" dirty="0">
+                <a:latin typeface="Microsoft YaHei" panose="020B0503020204020204" pitchFamily="34" charset="-122"/>
+                <a:ea typeface="Microsoft YaHei" panose="020B0503020204020204" pitchFamily="34" charset="-122"/>
+              </a:rPr>
+              <a:t>27</a:t>
+            </a:r>
+            <a:r>
+              <a:rPr kumimoji="1" lang="zh-CN" altLang="en-US" sz="1200" i="1" dirty="0">
+                <a:latin typeface="Microsoft YaHei" panose="020B0503020204020204" pitchFamily="34" charset="-122"/>
+                <a:ea typeface="Microsoft YaHei" panose="020B0503020204020204" pitchFamily="34" charset="-122"/>
+              </a:rPr>
+              <a:t> </a:t>
+            </a:r>
+            <a:r>
+              <a:rPr kumimoji="1" lang="en-US" altLang="zh-CN" sz="1200" i="1" dirty="0">
+                <a:latin typeface="Microsoft YaHei" panose="020B0503020204020204" pitchFamily="34" charset="-122"/>
+                <a:ea typeface="Microsoft YaHei" panose="020B0503020204020204" pitchFamily="34" charset="-122"/>
+              </a:rPr>
+              <a:t>Tags</a:t>
+            </a:r>
+            <a:endParaRPr kumimoji="1" lang="zh-CN" altLang="en-US" sz="1200" i="1" dirty="0">
+              <a:latin typeface="Microsoft YaHei" panose="020B0503020204020204" pitchFamily="34" charset="-122"/>
+              <a:ea typeface="Microsoft YaHei" panose="020B0503020204020204" pitchFamily="34" charset="-122"/>
+            </a:endParaRPr>
+          </a:p>
+        </p:txBody>
+      </p:sp>
+      <p:pic>
+        <p:nvPicPr>
+          <p:cNvPr id="46" name="图片 45">
+            <a:extLst>
+              <a:ext uri="{FF2B5EF4-FFF2-40B4-BE49-F238E27FC236}">
+                <a16:creationId xmlns:a16="http://schemas.microsoft.com/office/drawing/2014/main" id="{3EB334B6-3FBA-A936-0C93-0F0E86C010AA}"/>
+              </a:ext>
+            </a:extLst>
+          </p:cNvPr>
+          <p:cNvPicPr>
+            <a:picLocks noChangeAspect="1"/>
+          </p:cNvPicPr>
+          <p:nvPr/>
+        </p:nvPicPr>
+        <p:blipFill>
+          <a:blip r:embed="rId3"/>
+          <a:stretch>
+            <a:fillRect/>
+          </a:stretch>
+        </p:blipFill>
+        <p:spPr>
+          <a:xfrm>
+            <a:off x="7110387" y="4521429"/>
+            <a:ext cx="3659321" cy="507014"/>
+          </a:xfrm>
+          <a:prstGeom prst="rect">
+            <a:avLst/>
+          </a:prstGeom>
+        </p:spPr>
+      </p:pic>
+      <p:pic>
+        <p:nvPicPr>
+          <p:cNvPr id="48" name="图片 47">
+            <a:extLst>
+              <a:ext uri="{FF2B5EF4-FFF2-40B4-BE49-F238E27FC236}">
+                <a16:creationId xmlns:a16="http://schemas.microsoft.com/office/drawing/2014/main" id="{5DB569EE-1C59-86D8-E636-793E2AD6181B}"/>
+              </a:ext>
+            </a:extLst>
+          </p:cNvPr>
+          <p:cNvPicPr>
+            <a:picLocks noChangeAspect="1"/>
+          </p:cNvPicPr>
+          <p:nvPr/>
+        </p:nvPicPr>
+        <p:blipFill>
+          <a:blip r:embed="rId4"/>
+          <a:stretch>
+            <a:fillRect/>
+          </a:stretch>
+        </p:blipFill>
+        <p:spPr>
+          <a:xfrm>
+            <a:off x="7659371" y="2063834"/>
+            <a:ext cx="3248882" cy="410573"/>
+          </a:xfrm>
+          <a:prstGeom prst="rect">
+            <a:avLst/>
+          </a:prstGeom>
+        </p:spPr>
+      </p:pic>
+      <p:sp>
+        <p:nvSpPr>
+          <p:cNvPr id="50" name="文本框 49">
+            <a:extLst>
+              <a:ext uri="{FF2B5EF4-FFF2-40B4-BE49-F238E27FC236}">
+                <a16:creationId xmlns:a16="http://schemas.microsoft.com/office/drawing/2014/main" id="{7AE3D5D9-E5D2-3489-6A0A-2DD578C50F00}"/>
+              </a:ext>
+            </a:extLst>
+          </p:cNvPr>
+          <p:cNvSpPr txBox="1"/>
+          <p:nvPr/>
+        </p:nvSpPr>
+        <p:spPr>
+          <a:xfrm>
+            <a:off x="6832852" y="3072424"/>
+            <a:ext cx="1883657" cy="276999"/>
+          </a:xfrm>
+          <a:prstGeom prst="rect">
+            <a:avLst/>
+          </a:prstGeom>
+          <a:noFill/>
+        </p:spPr>
+        <p:txBody>
+          <a:bodyPr wrap="none" rtlCol="0">
+            <a:spAutoFit/>
+          </a:bodyPr>
+          <a:lstStyle/>
+          <a:p>
+            <a:r>
+              <a:rPr kumimoji="1" lang="en-US" altLang="zh-CN" sz="1200" b="1" i="1" dirty="0">
+                <a:latin typeface="Microsoft YaHei" panose="020B0503020204020204" pitchFamily="34" charset="-122"/>
+                <a:ea typeface="Microsoft YaHei" panose="020B0503020204020204" pitchFamily="34" charset="-122"/>
+              </a:rPr>
+              <a:t>Sentence Transformer</a:t>
+            </a:r>
+            <a:endParaRPr kumimoji="1" lang="zh-CN" altLang="en-US" sz="1200" i="1" dirty="0">
+              <a:latin typeface="Microsoft YaHei" panose="020B0503020204020204" pitchFamily="34" charset="-122"/>
+              <a:ea typeface="Microsoft YaHei" panose="020B0503020204020204" pitchFamily="34" charset="-122"/>
+            </a:endParaRPr>
+          </a:p>
+        </p:txBody>
+      </p:sp>
+      <p:sp>
+        <p:nvSpPr>
+          <p:cNvPr id="51" name="右箭头 50">
+            <a:extLst>
+              <a:ext uri="{FF2B5EF4-FFF2-40B4-BE49-F238E27FC236}">
+                <a16:creationId xmlns:a16="http://schemas.microsoft.com/office/drawing/2014/main" id="{80DDBE27-155D-FC85-239D-0C9A7DCE7C4C}"/>
+              </a:ext>
+            </a:extLst>
+          </p:cNvPr>
+          <p:cNvSpPr/>
+          <p:nvPr/>
+        </p:nvSpPr>
+        <p:spPr>
+          <a:xfrm rot="13931367" flipH="1">
+            <a:off x="8771616" y="2630448"/>
+            <a:ext cx="410573" cy="240564"/>
+          </a:xfrm>
+          <a:prstGeom prst="rightArrow">
+            <a:avLst/>
+          </a:prstGeom>
+          <a:solidFill>
+            <a:schemeClr val="bg1">
+              <a:lumMod val="75000"/>
+            </a:schemeClr>
+          </a:solidFill>
+          <a:ln>
+            <a:noFill/>
+          </a:ln>
+        </p:spPr>
+        <p:style>
+          <a:lnRef idx="2">
+            <a:schemeClr val="accent1">
+              <a:shade val="15000"/>
+            </a:schemeClr>
+          </a:lnRef>
+          <a:fillRef idx="1">
+            <a:schemeClr val="accent1"/>
+          </a:fillRef>
+          <a:effectRef idx="0">
+            <a:schemeClr val="accent1"/>
+          </a:effectRef>
+          <a:fontRef idx="minor">
+            <a:schemeClr val="lt1"/>
+          </a:fontRef>
+        </p:style>
+        <p:txBody>
+          <a:bodyPr rtlCol="0" anchor="ctr"/>
+          <a:lstStyle/>
+          <a:p>
+            <a:pPr algn="ctr"/>
+            <a:endParaRPr kumimoji="1" lang="zh-CN" altLang="en-US"/>
+          </a:p>
+        </p:txBody>
+      </p:sp>
+      <p:sp>
+        <p:nvSpPr>
+          <p:cNvPr id="52" name="文本框 51">
+            <a:extLst>
+              <a:ext uri="{FF2B5EF4-FFF2-40B4-BE49-F238E27FC236}">
+                <a16:creationId xmlns:a16="http://schemas.microsoft.com/office/drawing/2014/main" id="{E5F6AD8C-0DE5-40D5-6B99-CDF4FF452AD9}"/>
+              </a:ext>
+            </a:extLst>
+          </p:cNvPr>
+          <p:cNvSpPr txBox="1"/>
+          <p:nvPr/>
+        </p:nvSpPr>
+        <p:spPr>
+          <a:xfrm>
+            <a:off x="8837877" y="3072423"/>
+            <a:ext cx="2087046" cy="276999"/>
+          </a:xfrm>
+          <a:prstGeom prst="rect">
+            <a:avLst/>
+          </a:prstGeom>
+          <a:noFill/>
+        </p:spPr>
+        <p:txBody>
+          <a:bodyPr wrap="none" rtlCol="0">
+            <a:spAutoFit/>
+          </a:bodyPr>
+          <a:lstStyle/>
+          <a:p>
+            <a:r>
+              <a:rPr kumimoji="1" lang="en-US" altLang="zh-CN" sz="1200" b="1" i="1" dirty="0">
+                <a:latin typeface="Microsoft YaHei" panose="020B0503020204020204" pitchFamily="34" charset="-122"/>
+                <a:ea typeface="Microsoft YaHei" panose="020B0503020204020204" pitchFamily="34" charset="-122"/>
+              </a:rPr>
+              <a:t>BERT Encoder (for BERT)</a:t>
+            </a:r>
+            <a:endParaRPr kumimoji="1" lang="zh-CN" altLang="en-US" sz="1200" i="1" dirty="0">
+              <a:latin typeface="Microsoft YaHei" panose="020B0503020204020204" pitchFamily="34" charset="-122"/>
+              <a:ea typeface="Microsoft YaHei" panose="020B0503020204020204" pitchFamily="34" charset="-122"/>
+            </a:endParaRPr>
+          </a:p>
+        </p:txBody>
+      </p:sp>
+      <p:sp>
+        <p:nvSpPr>
+          <p:cNvPr id="53" name="右箭头 52">
+            <a:extLst>
+              <a:ext uri="{FF2B5EF4-FFF2-40B4-BE49-F238E27FC236}">
+                <a16:creationId xmlns:a16="http://schemas.microsoft.com/office/drawing/2014/main" id="{F5BB8188-AE96-624A-5C02-D16384B021EF}"/>
+              </a:ext>
+            </a:extLst>
+          </p:cNvPr>
+          <p:cNvSpPr/>
+          <p:nvPr/>
+        </p:nvSpPr>
+        <p:spPr>
+          <a:xfrm rot="5400000">
+            <a:off x="7302547" y="3786069"/>
+            <a:ext cx="825227" cy="218113"/>
+          </a:xfrm>
+          <a:prstGeom prst="rightArrow">
+            <a:avLst/>
+          </a:prstGeom>
+          <a:solidFill>
+            <a:schemeClr val="bg1">
+              <a:lumMod val="75000"/>
+            </a:schemeClr>
+          </a:solidFill>
+          <a:ln>
+            <a:noFill/>
+          </a:ln>
+        </p:spPr>
+        <p:style>
+          <a:lnRef idx="2">
+            <a:schemeClr val="accent1">
+              <a:shade val="15000"/>
+            </a:schemeClr>
+          </a:lnRef>
+          <a:fillRef idx="1">
+            <a:schemeClr val="accent1"/>
+          </a:fillRef>
+          <a:effectRef idx="0">
+            <a:schemeClr val="accent1"/>
+          </a:effectRef>
+          <a:fontRef idx="minor">
+            <a:schemeClr val="lt1"/>
+          </a:fontRef>
+        </p:style>
+        <p:txBody>
+          <a:bodyPr rtlCol="0" anchor="ctr"/>
+          <a:lstStyle/>
+          <a:p>
+            <a:pPr algn="ctr"/>
+            <a:endParaRPr kumimoji="1" lang="zh-CN" altLang="en-US"/>
+          </a:p>
+        </p:txBody>
+      </p:sp>
+      <p:sp>
+        <p:nvSpPr>
+          <p:cNvPr id="54" name="右箭头 53">
+            <a:extLst>
+              <a:ext uri="{FF2B5EF4-FFF2-40B4-BE49-F238E27FC236}">
+                <a16:creationId xmlns:a16="http://schemas.microsoft.com/office/drawing/2014/main" id="{AD25BD4E-D097-2468-7974-43BB5AF7FDF2}"/>
+              </a:ext>
+            </a:extLst>
+          </p:cNvPr>
+          <p:cNvSpPr/>
+          <p:nvPr/>
+        </p:nvSpPr>
+        <p:spPr>
+          <a:xfrm rot="5400000">
+            <a:off x="9468787" y="3786069"/>
+            <a:ext cx="825226" cy="218113"/>
+          </a:xfrm>
+          <a:prstGeom prst="rightArrow">
+            <a:avLst/>
+          </a:prstGeom>
+          <a:solidFill>
+            <a:schemeClr val="bg1">
+              <a:lumMod val="75000"/>
+            </a:schemeClr>
+          </a:solidFill>
+          <a:ln>
+            <a:noFill/>
+          </a:ln>
+        </p:spPr>
+        <p:style>
+          <a:lnRef idx="2">
+            <a:schemeClr val="accent1">
+              <a:shade val="15000"/>
+            </a:schemeClr>
+          </a:lnRef>
+          <a:fillRef idx="1">
+            <a:schemeClr val="accent1"/>
+          </a:fillRef>
+          <a:effectRef idx="0">
+            <a:schemeClr val="accent1"/>
+          </a:effectRef>
+          <a:fontRef idx="minor">
+            <a:schemeClr val="lt1"/>
+          </a:fontRef>
+        </p:style>
+        <p:txBody>
+          <a:bodyPr rtlCol="0" anchor="ctr"/>
+          <a:lstStyle/>
+          <a:p>
+            <a:pPr algn="ctr"/>
+            <a:endParaRPr kumimoji="1" lang="zh-CN" altLang="en-US"/>
+          </a:p>
+        </p:txBody>
+      </p:sp>
+      <p:sp>
+        <p:nvSpPr>
+          <p:cNvPr id="55" name="文本框 54">
+            <a:extLst>
+              <a:ext uri="{FF2B5EF4-FFF2-40B4-BE49-F238E27FC236}">
+                <a16:creationId xmlns:a16="http://schemas.microsoft.com/office/drawing/2014/main" id="{4069616C-99BE-E766-616B-4DE7BCC246FA}"/>
+              </a:ext>
+            </a:extLst>
+          </p:cNvPr>
+          <p:cNvSpPr txBox="1"/>
+          <p:nvPr/>
+        </p:nvSpPr>
+        <p:spPr>
+          <a:xfrm>
+            <a:off x="1189722" y="3855195"/>
+            <a:ext cx="1362809" cy="276999"/>
+          </a:xfrm>
+          <a:prstGeom prst="rect">
+            <a:avLst/>
+          </a:prstGeom>
+          <a:noFill/>
+        </p:spPr>
+        <p:txBody>
+          <a:bodyPr wrap="none" rtlCol="0">
+            <a:spAutoFit/>
+          </a:bodyPr>
+          <a:lstStyle/>
+          <a:p>
+            <a:r>
+              <a:rPr kumimoji="1" lang="en-US" altLang="zh-CN" sz="1200" b="1" i="1" dirty="0">
+                <a:latin typeface="Microsoft YaHei" panose="020B0503020204020204" pitchFamily="34" charset="-122"/>
+                <a:ea typeface="Microsoft YaHei" panose="020B0503020204020204" pitchFamily="34" charset="-122"/>
+              </a:rPr>
+              <a:t>Tag Generation</a:t>
+            </a:r>
+            <a:endParaRPr kumimoji="1" lang="zh-CN" altLang="en-US" sz="1200" i="1" dirty="0">
+              <a:latin typeface="Microsoft YaHei" panose="020B0503020204020204" pitchFamily="34" charset="-122"/>
+              <a:ea typeface="Microsoft YaHei" panose="020B0503020204020204" pitchFamily="34" charset="-122"/>
+            </a:endParaRPr>
+          </a:p>
+        </p:txBody>
+      </p:sp>
+      <p:sp>
+        <p:nvSpPr>
+          <p:cNvPr id="56" name="右箭头 55">
+            <a:extLst>
+              <a:ext uri="{FF2B5EF4-FFF2-40B4-BE49-F238E27FC236}">
+                <a16:creationId xmlns:a16="http://schemas.microsoft.com/office/drawing/2014/main" id="{1C178478-A998-8952-D338-BCF553552209}"/>
+              </a:ext>
+            </a:extLst>
+          </p:cNvPr>
+          <p:cNvSpPr/>
+          <p:nvPr/>
+        </p:nvSpPr>
+        <p:spPr>
+          <a:xfrm>
+            <a:off x="2989141" y="4702809"/>
+            <a:ext cx="1439159" cy="197815"/>
+          </a:xfrm>
+          <a:prstGeom prst="rightArrow">
+            <a:avLst/>
+          </a:prstGeom>
+          <a:solidFill>
+            <a:schemeClr val="bg1">
+              <a:lumMod val="75000"/>
+            </a:schemeClr>
+          </a:solidFill>
+          <a:ln>
+            <a:noFill/>
+          </a:ln>
+        </p:spPr>
+        <p:style>
+          <a:lnRef idx="2">
+            <a:schemeClr val="accent1">
+              <a:shade val="15000"/>
+            </a:schemeClr>
+          </a:lnRef>
+          <a:fillRef idx="1">
+            <a:schemeClr val="accent1"/>
+          </a:fillRef>
+          <a:effectRef idx="0">
+            <a:schemeClr val="accent1"/>
+          </a:effectRef>
+          <a:fontRef idx="minor">
+            <a:schemeClr val="lt1"/>
+          </a:fontRef>
+        </p:style>
+        <p:txBody>
+          <a:bodyPr rtlCol="0" anchor="ctr"/>
+          <a:lstStyle/>
+          <a:p>
+            <a:pPr algn="ctr"/>
+            <a:endParaRPr kumimoji="1" lang="zh-CN" altLang="en-US"/>
+          </a:p>
+        </p:txBody>
+      </p:sp>
+      <p:sp>
+        <p:nvSpPr>
+          <p:cNvPr id="57" name="文本框 56">
+            <a:extLst>
+              <a:ext uri="{FF2B5EF4-FFF2-40B4-BE49-F238E27FC236}">
+                <a16:creationId xmlns:a16="http://schemas.microsoft.com/office/drawing/2014/main" id="{DDBDC514-4760-F58F-4B82-484480C3FC81}"/>
+              </a:ext>
+            </a:extLst>
+          </p:cNvPr>
+          <p:cNvSpPr txBox="1"/>
+          <p:nvPr/>
+        </p:nvSpPr>
+        <p:spPr>
+          <a:xfrm>
+            <a:off x="2910128" y="4307740"/>
+            <a:ext cx="1533818" cy="276999"/>
+          </a:xfrm>
+          <a:prstGeom prst="rect">
+            <a:avLst/>
+          </a:prstGeom>
+          <a:noFill/>
+        </p:spPr>
+        <p:txBody>
+          <a:bodyPr wrap="none" rtlCol="0">
+            <a:spAutoFit/>
+          </a:bodyPr>
+          <a:lstStyle/>
+          <a:p>
+            <a:r>
+              <a:rPr kumimoji="1" lang="en-US" altLang="zh-CN" sz="1200" i="1" dirty="0">
+                <a:latin typeface="Microsoft YaHei" panose="020B0503020204020204" pitchFamily="34" charset="-122"/>
+                <a:ea typeface="Microsoft YaHei" panose="020B0503020204020204" pitchFamily="34" charset="-122"/>
+              </a:rPr>
+              <a:t>If in Data Source 1</a:t>
+            </a:r>
+            <a:endParaRPr kumimoji="1" lang="zh-CN" altLang="en-US" sz="1200" i="1" dirty="0">
+              <a:latin typeface="Microsoft YaHei" panose="020B0503020204020204" pitchFamily="34" charset="-122"/>
+              <a:ea typeface="Microsoft YaHei" panose="020B0503020204020204" pitchFamily="34" charset="-122"/>
+            </a:endParaRPr>
+          </a:p>
+        </p:txBody>
+      </p:sp>
     </p:spTree>
     <p:extLst>
       <p:ext uri="{BB962C8B-B14F-4D97-AF65-F5344CB8AC3E}">
         <p14:creationId xmlns:p14="http://schemas.microsoft.com/office/powerpoint/2010/main" val="2090821179"/>
+      </p:ext>
+    </p:extLst>
+  </p:cSld>
+  <p:clrMapOvr>
+    <a:masterClrMapping/>
+  </p:clrMapOvr>
+</p:sld>
+</file>
+
+<file path=ppt/slides/slide3.xml><?xml version="1.0" encoding="utf-8"?>
+<p:sld xmlns:a="http://schemas.openxmlformats.org/drawingml/2006/main" xmlns:r="http://schemas.openxmlformats.org/officeDocument/2006/relationships" xmlns:p="http://schemas.openxmlformats.org/presentationml/2006/main">
+  <p:cSld>
+    <p:spTree>
+      <p:nvGrpSpPr>
+        <p:cNvPr id="1" name=""/>
+        <p:cNvGrpSpPr/>
+        <p:nvPr/>
+      </p:nvGrpSpPr>
+      <p:grpSpPr>
+        <a:xfrm>
+          <a:off x="0" y="0"/>
+          <a:ext cx="0" cy="0"/>
+          <a:chOff x="0" y="0"/>
+          <a:chExt cx="0" cy="0"/>
+        </a:xfrm>
+      </p:grpSpPr>
+      <p:pic>
+        <p:nvPicPr>
+          <p:cNvPr id="3074" name="Picture 2">
+            <a:extLst>
+              <a:ext uri="{FF2B5EF4-FFF2-40B4-BE49-F238E27FC236}">
+                <a16:creationId xmlns:a16="http://schemas.microsoft.com/office/drawing/2014/main" id="{22E139F1-3E0A-0ADC-9D20-D321EAC0E572}"/>
+              </a:ext>
+            </a:extLst>
+          </p:cNvPr>
+          <p:cNvPicPr>
+            <a:picLocks noChangeAspect="1" noChangeArrowheads="1"/>
+          </p:cNvPicPr>
+          <p:nvPr/>
+        </p:nvPicPr>
+        <p:blipFill>
+          <a:blip r:embed="rId2">
+            <a:extLst>
+              <a:ext uri="{28A0092B-C50C-407E-A947-70E740481C1C}">
+                <a14:useLocalDpi xmlns:a14="http://schemas.microsoft.com/office/drawing/2010/main" val="0"/>
+              </a:ext>
+            </a:extLst>
+          </a:blip>
+          <a:srcRect/>
+          <a:stretch>
+            <a:fillRect/>
+          </a:stretch>
+        </p:blipFill>
+        <p:spPr bwMode="auto">
+          <a:xfrm>
+            <a:off x="1976583" y="208973"/>
+            <a:ext cx="3740726" cy="2922442"/>
+          </a:xfrm>
+          <a:prstGeom prst="rect">
+            <a:avLst/>
+          </a:prstGeom>
+          <a:noFill/>
+          <a:extLst>
+            <a:ext uri="{909E8E84-426E-40DD-AFC4-6F175D3DCCD1}">
+              <a14:hiddenFill xmlns:a14="http://schemas.microsoft.com/office/drawing/2010/main">
+                <a:solidFill>
+                  <a:srgbClr val="FFFFFF"/>
+                </a:solidFill>
+              </a14:hiddenFill>
+            </a:ext>
+          </a:extLst>
+        </p:spPr>
+      </p:pic>
+      <p:pic>
+        <p:nvPicPr>
+          <p:cNvPr id="3076" name="Picture 4">
+            <a:extLst>
+              <a:ext uri="{FF2B5EF4-FFF2-40B4-BE49-F238E27FC236}">
+                <a16:creationId xmlns:a16="http://schemas.microsoft.com/office/drawing/2014/main" id="{D834C18C-A55D-F71C-6BD5-79DD427007B5}"/>
+              </a:ext>
+            </a:extLst>
+          </p:cNvPr>
+          <p:cNvPicPr>
+            <a:picLocks noChangeAspect="1" noChangeArrowheads="1"/>
+          </p:cNvPicPr>
+          <p:nvPr/>
+        </p:nvPicPr>
+        <p:blipFill>
+          <a:blip r:embed="rId3">
+            <a:extLst>
+              <a:ext uri="{28A0092B-C50C-407E-A947-70E740481C1C}">
+                <a14:useLocalDpi xmlns:a14="http://schemas.microsoft.com/office/drawing/2010/main" val="0"/>
+              </a:ext>
+            </a:extLst>
+          </a:blip>
+          <a:srcRect/>
+          <a:stretch>
+            <a:fillRect/>
+          </a:stretch>
+        </p:blipFill>
+        <p:spPr bwMode="auto">
+          <a:xfrm>
+            <a:off x="6184324" y="202046"/>
+            <a:ext cx="3750340" cy="3455554"/>
+          </a:xfrm>
+          <a:prstGeom prst="rect">
+            <a:avLst/>
+          </a:prstGeom>
+          <a:noFill/>
+          <a:extLst>
+            <a:ext uri="{909E8E84-426E-40DD-AFC4-6F175D3DCCD1}">
+              <a14:hiddenFill xmlns:a14="http://schemas.microsoft.com/office/drawing/2010/main">
+                <a:solidFill>
+                  <a:srgbClr val="FFFFFF"/>
+                </a:solidFill>
+              </a14:hiddenFill>
+            </a:ext>
+          </a:extLst>
+        </p:spPr>
+      </p:pic>
+      <p:pic>
+        <p:nvPicPr>
+          <p:cNvPr id="3078" name="Picture 6">
+            <a:extLst>
+              <a:ext uri="{FF2B5EF4-FFF2-40B4-BE49-F238E27FC236}">
+                <a16:creationId xmlns:a16="http://schemas.microsoft.com/office/drawing/2014/main" id="{2E68E1F0-60F7-39CB-6CF6-3B34A671D428}"/>
+              </a:ext>
+            </a:extLst>
+          </p:cNvPr>
+          <p:cNvPicPr>
+            <a:picLocks noChangeAspect="1" noChangeArrowheads="1"/>
+          </p:cNvPicPr>
+          <p:nvPr/>
+        </p:nvPicPr>
+        <p:blipFill>
+          <a:blip r:embed="rId4">
+            <a:extLst>
+              <a:ext uri="{28A0092B-C50C-407E-A947-70E740481C1C}">
+                <a14:useLocalDpi xmlns:a14="http://schemas.microsoft.com/office/drawing/2010/main" val="0"/>
+              </a:ext>
+            </a:extLst>
+          </a:blip>
+          <a:srcRect/>
+          <a:stretch>
+            <a:fillRect/>
+          </a:stretch>
+        </p:blipFill>
+        <p:spPr bwMode="auto">
+          <a:xfrm>
+            <a:off x="572583" y="3651779"/>
+            <a:ext cx="5249023" cy="2738004"/>
+          </a:xfrm>
+          <a:prstGeom prst="rect">
+            <a:avLst/>
+          </a:prstGeom>
+          <a:noFill/>
+          <a:extLst>
+            <a:ext uri="{909E8E84-426E-40DD-AFC4-6F175D3DCCD1}">
+              <a14:hiddenFill xmlns:a14="http://schemas.microsoft.com/office/drawing/2010/main">
+                <a:solidFill>
+                  <a:srgbClr val="FFFFFF"/>
+                </a:solidFill>
+              </a14:hiddenFill>
+            </a:ext>
+          </a:extLst>
+        </p:spPr>
+      </p:pic>
+      <p:pic>
+        <p:nvPicPr>
+          <p:cNvPr id="3080" name="Picture 8">
+            <a:extLst>
+              <a:ext uri="{FF2B5EF4-FFF2-40B4-BE49-F238E27FC236}">
+                <a16:creationId xmlns:a16="http://schemas.microsoft.com/office/drawing/2014/main" id="{7C214400-EA21-FDCB-A622-30B6075103BF}"/>
+              </a:ext>
+            </a:extLst>
+          </p:cNvPr>
+          <p:cNvPicPr>
+            <a:picLocks noChangeAspect="1" noChangeArrowheads="1"/>
+          </p:cNvPicPr>
+          <p:nvPr/>
+        </p:nvPicPr>
+        <p:blipFill>
+          <a:blip r:embed="rId5">
+            <a:extLst>
+              <a:ext uri="{28A0092B-C50C-407E-A947-70E740481C1C}">
+                <a14:useLocalDpi xmlns:a14="http://schemas.microsoft.com/office/drawing/2010/main" val="0"/>
+              </a:ext>
+            </a:extLst>
+          </a:blip>
+          <a:srcRect/>
+          <a:stretch>
+            <a:fillRect/>
+          </a:stretch>
+        </p:blipFill>
+        <p:spPr bwMode="auto">
+          <a:xfrm>
+            <a:off x="6370395" y="3657600"/>
+            <a:ext cx="3494041" cy="2732183"/>
+          </a:xfrm>
+          <a:prstGeom prst="rect">
+            <a:avLst/>
+          </a:prstGeom>
+          <a:noFill/>
+          <a:extLst>
+            <a:ext uri="{909E8E84-426E-40DD-AFC4-6F175D3DCCD1}">
+              <a14:hiddenFill xmlns:a14="http://schemas.microsoft.com/office/drawing/2010/main">
+                <a:solidFill>
+                  <a:srgbClr val="FFFFFF"/>
+                </a:solidFill>
+              </a14:hiddenFill>
+            </a:ext>
+          </a:extLst>
+        </p:spPr>
+      </p:pic>
+    </p:spTree>
+    <p:extLst>
+      <p:ext uri="{BB962C8B-B14F-4D97-AF65-F5344CB8AC3E}">
+        <p14:creationId xmlns:p14="http://schemas.microsoft.com/office/powerpoint/2010/main" val="365872598"/>
+      </p:ext>
+    </p:extLst>
+  </p:cSld>
+  <p:clrMapOvr>
+    <a:masterClrMapping/>
+  </p:clrMapOvr>
+</p:sld>
+</file>
+
+<file path=ppt/slides/slide4.xml><?xml version="1.0" encoding="utf-8"?>
+<p:sld xmlns:a="http://schemas.openxmlformats.org/drawingml/2006/main" xmlns:r="http://schemas.openxmlformats.org/officeDocument/2006/relationships" xmlns:p="http://schemas.openxmlformats.org/presentationml/2006/main">
+  <p:cSld>
+    <p:spTree>
+      <p:nvGrpSpPr>
+        <p:cNvPr id="1" name=""/>
+        <p:cNvGrpSpPr/>
+        <p:nvPr/>
+      </p:nvGrpSpPr>
+      <p:grpSpPr>
+        <a:xfrm>
+          <a:off x="0" y="0"/>
+          <a:ext cx="0" cy="0"/>
+          <a:chOff x="0" y="0"/>
+          <a:chExt cx="0" cy="0"/>
+        </a:xfrm>
+      </p:grpSpPr>
+      <p:pic>
+        <p:nvPicPr>
+          <p:cNvPr id="3074" name="Picture 2">
+            <a:extLst>
+              <a:ext uri="{FF2B5EF4-FFF2-40B4-BE49-F238E27FC236}">
+                <a16:creationId xmlns:a16="http://schemas.microsoft.com/office/drawing/2014/main" id="{22E139F1-3E0A-0ADC-9D20-D321EAC0E572}"/>
+              </a:ext>
+            </a:extLst>
+          </p:cNvPr>
+          <p:cNvPicPr>
+            <a:picLocks noChangeAspect="1" noChangeArrowheads="1"/>
+          </p:cNvPicPr>
+          <p:nvPr/>
+        </p:nvPicPr>
+        <p:blipFill>
+          <a:blip r:embed="rId2">
+            <a:extLst>
+              <a:ext uri="{28A0092B-C50C-407E-A947-70E740481C1C}">
+                <a14:useLocalDpi xmlns:a14="http://schemas.microsoft.com/office/drawing/2010/main" val="0"/>
+              </a:ext>
+            </a:extLst>
+          </a:blip>
+          <a:srcRect/>
+          <a:stretch>
+            <a:fillRect/>
+          </a:stretch>
+        </p:blipFill>
+        <p:spPr bwMode="auto">
+          <a:xfrm>
+            <a:off x="366283" y="136234"/>
+            <a:ext cx="3504646" cy="2738004"/>
+          </a:xfrm>
+          <a:prstGeom prst="rect">
+            <a:avLst/>
+          </a:prstGeom>
+          <a:noFill/>
+          <a:extLst>
+            <a:ext uri="{909E8E84-426E-40DD-AFC4-6F175D3DCCD1}">
+              <a14:hiddenFill xmlns:a14="http://schemas.microsoft.com/office/drawing/2010/main">
+                <a:solidFill>
+                  <a:srgbClr val="FFFFFF"/>
+                </a:solidFill>
+              </a14:hiddenFill>
+            </a:ext>
+          </a:extLst>
+        </p:spPr>
+      </p:pic>
+      <p:pic>
+        <p:nvPicPr>
+          <p:cNvPr id="3076" name="Picture 4">
+            <a:extLst>
+              <a:ext uri="{FF2B5EF4-FFF2-40B4-BE49-F238E27FC236}">
+                <a16:creationId xmlns:a16="http://schemas.microsoft.com/office/drawing/2014/main" id="{D834C18C-A55D-F71C-6BD5-79DD427007B5}"/>
+              </a:ext>
+            </a:extLst>
+          </p:cNvPr>
+          <p:cNvPicPr>
+            <a:picLocks noChangeAspect="1" noChangeArrowheads="1"/>
+          </p:cNvPicPr>
+          <p:nvPr/>
+        </p:nvPicPr>
+        <p:blipFill>
+          <a:blip r:embed="rId3">
+            <a:extLst>
+              <a:ext uri="{28A0092B-C50C-407E-A947-70E740481C1C}">
+                <a14:useLocalDpi xmlns:a14="http://schemas.microsoft.com/office/drawing/2010/main" val="0"/>
+              </a:ext>
+            </a:extLst>
+          </a:blip>
+          <a:srcRect/>
+          <a:stretch>
+            <a:fillRect/>
+          </a:stretch>
+        </p:blipFill>
+        <p:spPr bwMode="auto">
+          <a:xfrm>
+            <a:off x="4055792" y="136234"/>
+            <a:ext cx="3573665" cy="3292765"/>
+          </a:xfrm>
+          <a:prstGeom prst="rect">
+            <a:avLst/>
+          </a:prstGeom>
+          <a:noFill/>
+          <a:extLst>
+            <a:ext uri="{909E8E84-426E-40DD-AFC4-6F175D3DCCD1}">
+              <a14:hiddenFill xmlns:a14="http://schemas.microsoft.com/office/drawing/2010/main">
+                <a:solidFill>
+                  <a:srgbClr val="FFFFFF"/>
+                </a:solidFill>
+              </a14:hiddenFill>
+            </a:ext>
+          </a:extLst>
+        </p:spPr>
+      </p:pic>
+      <p:pic>
+        <p:nvPicPr>
+          <p:cNvPr id="3078" name="Picture 6">
+            <a:extLst>
+              <a:ext uri="{FF2B5EF4-FFF2-40B4-BE49-F238E27FC236}">
+                <a16:creationId xmlns:a16="http://schemas.microsoft.com/office/drawing/2014/main" id="{2E68E1F0-60F7-39CB-6CF6-3B34A671D428}"/>
+              </a:ext>
+            </a:extLst>
+          </p:cNvPr>
+          <p:cNvPicPr>
+            <a:picLocks noChangeAspect="1" noChangeArrowheads="1"/>
+          </p:cNvPicPr>
+          <p:nvPr/>
+        </p:nvPicPr>
+        <p:blipFill>
+          <a:blip r:embed="rId4">
+            <a:extLst>
+              <a:ext uri="{28A0092B-C50C-407E-A947-70E740481C1C}">
+                <a14:useLocalDpi xmlns:a14="http://schemas.microsoft.com/office/drawing/2010/main" val="0"/>
+              </a:ext>
+            </a:extLst>
+          </a:blip>
+          <a:srcRect/>
+          <a:stretch>
+            <a:fillRect/>
+          </a:stretch>
+        </p:blipFill>
+        <p:spPr bwMode="auto">
+          <a:xfrm>
+            <a:off x="572583" y="3651779"/>
+            <a:ext cx="5249023" cy="2738004"/>
+          </a:xfrm>
+          <a:prstGeom prst="rect">
+            <a:avLst/>
+          </a:prstGeom>
+          <a:noFill/>
+          <a:extLst>
+            <a:ext uri="{909E8E84-426E-40DD-AFC4-6F175D3DCCD1}">
+              <a14:hiddenFill xmlns:a14="http://schemas.microsoft.com/office/drawing/2010/main">
+                <a:solidFill>
+                  <a:srgbClr val="FFFFFF"/>
+                </a:solidFill>
+              </a14:hiddenFill>
+            </a:ext>
+          </a:extLst>
+        </p:spPr>
+      </p:pic>
+      <p:pic>
+        <p:nvPicPr>
+          <p:cNvPr id="3080" name="Picture 8">
+            <a:extLst>
+              <a:ext uri="{FF2B5EF4-FFF2-40B4-BE49-F238E27FC236}">
+                <a16:creationId xmlns:a16="http://schemas.microsoft.com/office/drawing/2014/main" id="{7C214400-EA21-FDCB-A622-30B6075103BF}"/>
+              </a:ext>
+            </a:extLst>
+          </p:cNvPr>
+          <p:cNvPicPr>
+            <a:picLocks noChangeAspect="1" noChangeArrowheads="1"/>
+          </p:cNvPicPr>
+          <p:nvPr/>
+        </p:nvPicPr>
+        <p:blipFill>
+          <a:blip r:embed="rId5">
+            <a:extLst>
+              <a:ext uri="{28A0092B-C50C-407E-A947-70E740481C1C}">
+                <a14:useLocalDpi xmlns:a14="http://schemas.microsoft.com/office/drawing/2010/main" val="0"/>
+              </a:ext>
+            </a:extLst>
+          </a:blip>
+          <a:srcRect/>
+          <a:stretch>
+            <a:fillRect/>
+          </a:stretch>
+        </p:blipFill>
+        <p:spPr bwMode="auto">
+          <a:xfrm>
+            <a:off x="6370395" y="3657600"/>
+            <a:ext cx="3494041" cy="2732183"/>
+          </a:xfrm>
+          <a:prstGeom prst="rect">
+            <a:avLst/>
+          </a:prstGeom>
+          <a:noFill/>
+          <a:extLst>
+            <a:ext uri="{909E8E84-426E-40DD-AFC4-6F175D3DCCD1}">
+              <a14:hiddenFill xmlns:a14="http://schemas.microsoft.com/office/drawing/2010/main">
+                <a:solidFill>
+                  <a:srgbClr val="FFFFFF"/>
+                </a:solidFill>
+              </a14:hiddenFill>
+            </a:ext>
+          </a:extLst>
+        </p:spPr>
+      </p:pic>
+      <p:pic>
+        <p:nvPicPr>
+          <p:cNvPr id="5122" name="Picture 2">
+            <a:extLst>
+              <a:ext uri="{FF2B5EF4-FFF2-40B4-BE49-F238E27FC236}">
+                <a16:creationId xmlns:a16="http://schemas.microsoft.com/office/drawing/2014/main" id="{4143B020-001F-4FCF-47EE-CFB0CD5AEC8B}"/>
+              </a:ext>
+            </a:extLst>
+          </p:cNvPr>
+          <p:cNvPicPr>
+            <a:picLocks noChangeAspect="1" noChangeArrowheads="1"/>
+          </p:cNvPicPr>
+          <p:nvPr/>
+        </p:nvPicPr>
+        <p:blipFill>
+          <a:blip r:embed="rId6">
+            <a:extLst>
+              <a:ext uri="{28A0092B-C50C-407E-A947-70E740481C1C}">
+                <a14:useLocalDpi xmlns:a14="http://schemas.microsoft.com/office/drawing/2010/main" val="0"/>
+              </a:ext>
+            </a:extLst>
+          </a:blip>
+          <a:srcRect/>
+          <a:stretch>
+            <a:fillRect/>
+          </a:stretch>
+        </p:blipFill>
+        <p:spPr bwMode="auto">
+          <a:xfrm>
+            <a:off x="7814320" y="136235"/>
+            <a:ext cx="3528316" cy="2732183"/>
+          </a:xfrm>
+          <a:prstGeom prst="rect">
+            <a:avLst/>
+          </a:prstGeom>
+          <a:noFill/>
+          <a:extLst>
+            <a:ext uri="{909E8E84-426E-40DD-AFC4-6F175D3DCCD1}">
+              <a14:hiddenFill xmlns:a14="http://schemas.microsoft.com/office/drawing/2010/main">
+                <a:solidFill>
+                  <a:srgbClr val="FFFFFF"/>
+                </a:solidFill>
+              </a14:hiddenFill>
+            </a:ext>
+          </a:extLst>
+        </p:spPr>
+      </p:pic>
+    </p:spTree>
+    <p:extLst>
+      <p:ext uri="{BB962C8B-B14F-4D97-AF65-F5344CB8AC3E}">
+        <p14:creationId xmlns:p14="http://schemas.microsoft.com/office/powerpoint/2010/main" val="1443002016"/>
       </p:ext>
     </p:extLst>
   </p:cSld>
